--- a/Fehlerbehandung und Debugging.pptx
+++ b/Fehlerbehandung und Debugging.pptx
@@ -29,8 +29,8 @@
     <p:sldId id="259" r:id="rId17"/>
     <p:sldId id="279" r:id="rId18"/>
     <p:sldId id="268" r:id="rId19"/>
-    <p:sldId id="272" r:id="rId20"/>
-    <p:sldId id="273" r:id="rId21"/>
+    <p:sldId id="273" r:id="rId20"/>
+    <p:sldId id="272" r:id="rId21"/>
     <p:sldId id="274" r:id="rId22"/>
     <p:sldId id="270" r:id="rId23"/>
     <p:sldId id="284" r:id="rId24"/>
@@ -166,8 +166,8 @@
             <p14:sldId id="259"/>
             <p14:sldId id="279"/>
             <p14:sldId id="268"/>
+            <p14:sldId id="273"/>
             <p14:sldId id="272"/>
-            <p14:sldId id="273"/>
             <p14:sldId id="274"/>
             <p14:sldId id="270"/>
             <p14:sldId id="284"/>
@@ -1289,6 +1289,13 @@
         </dgm:presLayoutVars>
       </dgm:prSet>
       <dgm:spPr/>
+      <dgm:t>
+        <a:bodyPr/>
+        <a:lstStyle/>
+        <a:p>
+          <a:endParaRPr lang="de-DE"/>
+        </a:p>
+      </dgm:t>
     </dgm:pt>
     <dgm:pt modelId="{CBD6630B-FBB1-454C-9C55-E4BB3B24728D}" type="pres">
       <dgm:prSet presAssocID="{EB047E5A-BD03-4772-A474-C442105FB121}" presName="levelTx" presStyleLbl="revTx" presStyleIdx="0" presStyleCnt="0">
@@ -1298,6 +1305,13 @@
         </dgm:presLayoutVars>
       </dgm:prSet>
       <dgm:spPr/>
+      <dgm:t>
+        <a:bodyPr/>
+        <a:lstStyle/>
+        <a:p>
+          <a:endParaRPr lang="de-DE"/>
+        </a:p>
+      </dgm:t>
     </dgm:pt>
     <dgm:pt modelId="{7F07FAB8-876D-41A4-A298-4D6ED055F4A5}" type="pres">
       <dgm:prSet presAssocID="{7EF14775-767C-4029-8B81-C5576030B201}" presName="Name8" presStyleCnt="0"/>
@@ -1311,6 +1325,13 @@
         </dgm:presLayoutVars>
       </dgm:prSet>
       <dgm:spPr/>
+      <dgm:t>
+        <a:bodyPr/>
+        <a:lstStyle/>
+        <a:p>
+          <a:endParaRPr lang="de-DE"/>
+        </a:p>
+      </dgm:t>
     </dgm:pt>
     <dgm:pt modelId="{30BC3BD5-96AD-46AD-80F6-99BDA1043E85}" type="pres">
       <dgm:prSet presAssocID="{7EF14775-767C-4029-8B81-C5576030B201}" presName="levelTx" presStyleLbl="revTx" presStyleIdx="0" presStyleCnt="0">
@@ -1320,6 +1341,13 @@
         </dgm:presLayoutVars>
       </dgm:prSet>
       <dgm:spPr/>
+      <dgm:t>
+        <a:bodyPr/>
+        <a:lstStyle/>
+        <a:p>
+          <a:endParaRPr lang="de-DE"/>
+        </a:p>
+      </dgm:t>
     </dgm:pt>
     <dgm:pt modelId="{91B861D6-329B-4034-A845-A83E54F88B6F}" type="pres">
       <dgm:prSet presAssocID="{64608E18-BF0F-4DD0-B746-71E3F0BCC280}" presName="Name8" presStyleCnt="0"/>
@@ -1333,6 +1361,13 @@
         </dgm:presLayoutVars>
       </dgm:prSet>
       <dgm:spPr/>
+      <dgm:t>
+        <a:bodyPr/>
+        <a:lstStyle/>
+        <a:p>
+          <a:endParaRPr lang="de-DE"/>
+        </a:p>
+      </dgm:t>
     </dgm:pt>
     <dgm:pt modelId="{559C7492-AF34-47C8-9EB1-0F67D011E4B4}" type="pres">
       <dgm:prSet presAssocID="{64608E18-BF0F-4DD0-B746-71E3F0BCC280}" presName="levelTx" presStyleLbl="revTx" presStyleIdx="0" presStyleCnt="0">
@@ -1342,6 +1377,13 @@
         </dgm:presLayoutVars>
       </dgm:prSet>
       <dgm:spPr/>
+      <dgm:t>
+        <a:bodyPr/>
+        <a:lstStyle/>
+        <a:p>
+          <a:endParaRPr lang="de-DE"/>
+        </a:p>
+      </dgm:t>
     </dgm:pt>
     <dgm:pt modelId="{3CCE2741-4AD7-4C40-B5F4-A44C96F9B214}" type="pres">
       <dgm:prSet presAssocID="{1884BA19-0EE9-40B4-8CC4-C66AC517659E}" presName="Name8" presStyleCnt="0"/>
@@ -1355,6 +1397,13 @@
         </dgm:presLayoutVars>
       </dgm:prSet>
       <dgm:spPr/>
+      <dgm:t>
+        <a:bodyPr/>
+        <a:lstStyle/>
+        <a:p>
+          <a:endParaRPr lang="de-DE"/>
+        </a:p>
+      </dgm:t>
     </dgm:pt>
     <dgm:pt modelId="{C5F8674C-8D7E-409B-AE3D-13DC678D2484}" type="pres">
       <dgm:prSet presAssocID="{1884BA19-0EE9-40B4-8CC4-C66AC517659E}" presName="levelTx" presStyleLbl="revTx" presStyleIdx="0" presStyleCnt="0">
@@ -1364,6 +1413,13 @@
         </dgm:presLayoutVars>
       </dgm:prSet>
       <dgm:spPr/>
+      <dgm:t>
+        <a:bodyPr/>
+        <a:lstStyle/>
+        <a:p>
+          <a:endParaRPr lang="de-DE"/>
+        </a:p>
+      </dgm:t>
     </dgm:pt>
     <dgm:pt modelId="{70AD66AB-AE5C-4449-BD86-3EDBB6C3AB84}" type="pres">
       <dgm:prSet presAssocID="{1FD4E4E1-2A87-464C-8D16-39B86A033CD2}" presName="Name8" presStyleCnt="0"/>
@@ -1377,6 +1433,13 @@
         </dgm:presLayoutVars>
       </dgm:prSet>
       <dgm:spPr/>
+      <dgm:t>
+        <a:bodyPr/>
+        <a:lstStyle/>
+        <a:p>
+          <a:endParaRPr lang="de-DE"/>
+        </a:p>
+      </dgm:t>
     </dgm:pt>
     <dgm:pt modelId="{D39A232B-F86E-44B5-A3A8-62DDB423115B}" type="pres">
       <dgm:prSet presAssocID="{1FD4E4E1-2A87-464C-8D16-39B86A033CD2}" presName="levelTx" presStyleLbl="revTx" presStyleIdx="0" presStyleCnt="0">
@@ -1386,6 +1449,13 @@
         </dgm:presLayoutVars>
       </dgm:prSet>
       <dgm:spPr/>
+      <dgm:t>
+        <a:bodyPr/>
+        <a:lstStyle/>
+        <a:p>
+          <a:endParaRPr lang="de-DE"/>
+        </a:p>
+      </dgm:t>
     </dgm:pt>
     <dgm:pt modelId="{57815916-E3A6-42F0-B623-B241EE78F96D}" type="pres">
       <dgm:prSet presAssocID="{978ABC77-A049-4550-A28E-1B01BC36E12E}" presName="Name8" presStyleCnt="0"/>
@@ -1399,6 +1469,13 @@
         </dgm:presLayoutVars>
       </dgm:prSet>
       <dgm:spPr/>
+      <dgm:t>
+        <a:bodyPr/>
+        <a:lstStyle/>
+        <a:p>
+          <a:endParaRPr lang="de-DE"/>
+        </a:p>
+      </dgm:t>
     </dgm:pt>
     <dgm:pt modelId="{57777579-DAFB-4206-844E-6568CB4ACDF4}" type="pres">
       <dgm:prSet presAssocID="{978ABC77-A049-4550-A28E-1B01BC36E12E}" presName="levelTx" presStyleLbl="revTx" presStyleIdx="0" presStyleCnt="0">
@@ -1408,6 +1485,13 @@
         </dgm:presLayoutVars>
       </dgm:prSet>
       <dgm:spPr/>
+      <dgm:t>
+        <a:bodyPr/>
+        <a:lstStyle/>
+        <a:p>
+          <a:endParaRPr lang="de-DE"/>
+        </a:p>
+      </dgm:t>
     </dgm:pt>
   </dgm:ptLst>
   <dgm:cxnLst>
@@ -7524,11 +7608,29 @@
           <a:p>
             <a:r>
               <a:rPr lang="de-DE" dirty="0" err="1" smtClean="0"/>
-              <a:t>Ausnahmebehandung</a:t>
+              <a:t>Fehlerbehandung</a:t>
             </a:r>
             <a:r>
               <a:rPr lang="de-DE" dirty="0" smtClean="0"/>
-              <a:t> und Debugging</a:t>
+              <a:t> </a:t>
+            </a:r>
+            <a:br>
+              <a:rPr lang="de-DE" dirty="0" smtClean="0"/>
+            </a:br>
+            <a:r>
+              <a:rPr lang="de-DE" dirty="0" smtClean="0"/>
+              <a:t>D</a:t>
+            </a:r>
+            <a:r>
+              <a:rPr lang="de-DE" dirty="0" smtClean="0"/>
+              <a:t>ebugging</a:t>
+            </a:r>
+            <a:br>
+              <a:rPr lang="de-DE" dirty="0" smtClean="0"/>
+            </a:br>
+            <a:r>
+              <a:rPr lang="de-DE" dirty="0" err="1" smtClean="0"/>
+              <a:t>Logging</a:t>
             </a:r>
             <a:endParaRPr lang="de-DE" dirty="0"/>
           </a:p>
@@ -7556,6 +7658,13 @@
       </p:transition>
     </mc:Fallback>
   </mc:AlternateContent>
+  <p:timing>
+    <p:tnLst>
+      <p:par>
+        <p:cTn id="1" dur="indefinite" restart="never" nodeType="tmRoot"/>
+      </p:par>
+    </p:tnLst>
+  </p:timing>
 </p:sld>
 </file>
 
@@ -7686,7 +7795,7 @@
         <p:spPr>
           <a:xfrm>
             <a:off x="480443" y="841276"/>
-            <a:ext cx="7763966" cy="2308324"/>
+            <a:ext cx="7763966" cy="2492990"/>
           </a:xfrm>
           <a:prstGeom prst="rect">
             <a:avLst/>
@@ -7890,6 +7999,98 @@
                 </a:solidFill>
                 <a:latin typeface="Consolas" panose="020B0609020204030204" pitchFamily="49" charset="0"/>
               </a:rPr>
+              <a:t>var</a:t>
+            </a:r>
+            <a:r>
+              <a:rPr lang="de-DE" sz="1200" dirty="0" smtClean="0">
+                <a:solidFill>
+                  <a:srgbClr val="0000FF"/>
+                </a:solidFill>
+                <a:latin typeface="Consolas" panose="020B0609020204030204" pitchFamily="49" charset="0"/>
+              </a:rPr>
+              <a:t> </a:t>
+            </a:r>
+            <a:r>
+              <a:rPr lang="de-DE" sz="1200" dirty="0" err="1" smtClean="0">
+                <a:solidFill>
+                  <a:srgbClr val="0000FF"/>
+                </a:solidFill>
+                <a:latin typeface="Consolas" panose="020B0609020204030204" pitchFamily="49" charset="0"/>
+              </a:rPr>
+              <a:t>text</a:t>
+            </a:r>
+            <a:r>
+              <a:rPr lang="de-DE" sz="1200" dirty="0" smtClean="0">
+                <a:solidFill>
+                  <a:srgbClr val="0000FF"/>
+                </a:solidFill>
+                <a:latin typeface="Consolas" panose="020B0609020204030204" pitchFamily="49" charset="0"/>
+              </a:rPr>
+              <a:t> =</a:t>
+            </a:r>
+            <a:r>
+              <a:rPr lang="de-DE" sz="1200" dirty="0" smtClean="0">
+                <a:solidFill>
+                  <a:srgbClr val="000000"/>
+                </a:solidFill>
+                <a:latin typeface="Consolas" panose="020B0609020204030204" pitchFamily="49" charset="0"/>
+              </a:rPr>
+              <a:t> </a:t>
+            </a:r>
+            <a:r>
+              <a:rPr lang="de-DE" sz="1200" dirty="0" err="1" smtClean="0">
+                <a:solidFill>
+                  <a:srgbClr val="000000"/>
+                </a:solidFill>
+                <a:latin typeface="Consolas" panose="020B0609020204030204" pitchFamily="49" charset="0"/>
+              </a:rPr>
+              <a:t>File.ReadAllText</a:t>
+            </a:r>
+            <a:r>
+              <a:rPr lang="de-DE" sz="1200" dirty="0" smtClean="0">
+                <a:solidFill>
+                  <a:srgbClr val="000000"/>
+                </a:solidFill>
+                <a:latin typeface="Consolas" panose="020B0609020204030204" pitchFamily="49" charset="0"/>
+              </a:rPr>
+              <a:t>(</a:t>
+            </a:r>
+            <a:r>
+              <a:rPr lang="de-DE" sz="1200" dirty="0" err="1" smtClean="0">
+                <a:solidFill>
+                  <a:srgbClr val="000000"/>
+                </a:solidFill>
+                <a:latin typeface="Consolas" panose="020B0609020204030204" pitchFamily="49" charset="0"/>
+              </a:rPr>
+              <a:t>myFile</a:t>
+            </a:r>
+            <a:r>
+              <a:rPr lang="de-DE" sz="1200" dirty="0" smtClean="0">
+                <a:solidFill>
+                  <a:srgbClr val="000000"/>
+                </a:solidFill>
+                <a:latin typeface="Consolas" panose="020B0609020204030204" pitchFamily="49" charset="0"/>
+              </a:rPr>
+              <a:t>);</a:t>
+            </a:r>
+          </a:p>
+          <a:p>
+            <a:r>
+              <a:rPr lang="de-DE" sz="1200" dirty="0" smtClean="0">
+                <a:solidFill>
+                  <a:srgbClr val="000000"/>
+                </a:solidFill>
+                <a:latin typeface="Consolas" panose="020B0609020204030204" pitchFamily="49" charset="0"/>
+              </a:rPr>
+              <a:t>        </a:t>
+            </a:r>
+            <a:r>
+              <a:rPr lang="de-DE" sz="1200" dirty="0" err="1" smtClean="0">
+                <a:solidFill>
+                  <a:srgbClr val="000000"/>
+                </a:solidFill>
+                <a:latin typeface="Consolas" panose="020B0609020204030204" pitchFamily="49" charset="0"/>
+              </a:rPr>
               <a:t>return</a:t>
             </a:r>
             <a:r>
@@ -7908,7 +8109,7 @@
                 </a:solidFill>
                 <a:latin typeface="Consolas" panose="020B0609020204030204" pitchFamily="49" charset="0"/>
               </a:rPr>
-              <a:t>File.ReadAllText</a:t>
+              <a:t>text</a:t>
             </a:r>
             <a:r>
               <a:rPr lang="de-DE" sz="1200" dirty="0" smtClean="0">
@@ -7917,25 +8118,7 @@
                 </a:solidFill>
                 <a:latin typeface="Consolas" panose="020B0609020204030204" pitchFamily="49" charset="0"/>
               </a:rPr>
-              <a:t>(</a:t>
-            </a:r>
-            <a:r>
-              <a:rPr lang="de-DE" sz="1200" dirty="0" err="1" smtClean="0">
-                <a:solidFill>
-                  <a:srgbClr val="000000"/>
-                </a:solidFill>
-                <a:latin typeface="Consolas" panose="020B0609020204030204" pitchFamily="49" charset="0"/>
-              </a:rPr>
-              <a:t>myFile</a:t>
-            </a:r>
-            <a:r>
-              <a:rPr lang="de-DE" sz="1200" dirty="0" smtClean="0">
-                <a:solidFill>
-                  <a:srgbClr val="000000"/>
-                </a:solidFill>
-                <a:latin typeface="Consolas" panose="020B0609020204030204" pitchFamily="49" charset="0"/>
-              </a:rPr>
-              <a:t>);</a:t>
+              <a:t>;</a:t>
             </a:r>
             <a:endParaRPr lang="de-DE" sz="1200" dirty="0">
               <a:solidFill>
@@ -8293,6 +8476,13 @@
       </p:transition>
     </mc:Fallback>
   </mc:AlternateContent>
+  <p:timing>
+    <p:tnLst>
+      <p:par>
+        <p:cTn id="1" dur="indefinite" restart="never" nodeType="tmRoot"/>
+      </p:par>
+    </p:tnLst>
+  </p:timing>
 </p:sld>
 </file>
 
@@ -9016,6 +9206,13 @@
       </p:transition>
     </mc:Fallback>
   </mc:AlternateContent>
+  <p:timing>
+    <p:tnLst>
+      <p:par>
+        <p:cTn id="1" dur="indefinite" restart="never" nodeType="tmRoot"/>
+      </p:par>
+    </p:tnLst>
+  </p:timing>
 </p:sld>
 </file>
 
@@ -10081,6 +10278,13 @@
       </p:transition>
     </mc:Fallback>
   </mc:AlternateContent>
+  <p:timing>
+    <p:tnLst>
+      <p:par>
+        <p:cTn id="1" dur="indefinite" restart="never" nodeType="tmRoot"/>
+      </p:par>
+    </p:tnLst>
+  </p:timing>
 </p:sld>
 </file>
 
@@ -10917,6 +11121,13 @@
       </p:transition>
     </mc:Fallback>
   </mc:AlternateContent>
+  <p:timing>
+    <p:tnLst>
+      <p:par>
+        <p:cTn id="1" dur="indefinite" restart="never" nodeType="tmRoot"/>
+      </p:par>
+    </p:tnLst>
+  </p:timing>
 </p:sld>
 </file>
 
@@ -11746,6 +11957,13 @@
       </p:transition>
     </mc:Fallback>
   </mc:AlternateContent>
+  <p:timing>
+    <p:tnLst>
+      <p:par>
+        <p:cTn id="1" dur="indefinite" restart="never" nodeType="tmRoot"/>
+      </p:par>
+    </p:tnLst>
+  </p:timing>
 </p:sld>
 </file>
 
@@ -11977,6 +12195,13 @@
       </p:transition>
     </mc:Fallback>
   </mc:AlternateContent>
+  <p:timing>
+    <p:tnLst>
+      <p:par>
+        <p:cTn id="1" dur="indefinite" restart="never" nodeType="tmRoot"/>
+      </p:par>
+    </p:tnLst>
+  </p:timing>
 </p:sld>
 </file>
 
@@ -12290,6 +12515,13 @@
       </p:transition>
     </mc:Fallback>
   </mc:AlternateContent>
+  <p:timing>
+    <p:tnLst>
+      <p:par>
+        <p:cTn id="1" dur="indefinite" restart="never" nodeType="tmRoot"/>
+      </p:par>
+    </p:tnLst>
+  </p:timing>
 </p:sld>
 </file>
 
@@ -12468,6 +12700,13 @@
       </p:transition>
     </mc:Fallback>
   </mc:AlternateContent>
+  <p:timing>
+    <p:tnLst>
+      <p:par>
+        <p:cTn id="1" dur="indefinite" restart="never" nodeType="tmRoot"/>
+      </p:par>
+    </p:tnLst>
+  </p:timing>
 </p:sld>
 </file>
 
@@ -12728,6 +12967,13 @@
       </p:transition>
     </mc:Fallback>
   </mc:AlternateContent>
+  <p:timing>
+    <p:tnLst>
+      <p:par>
+        <p:cTn id="1" dur="indefinite" restart="never" nodeType="tmRoot"/>
+      </p:par>
+    </p:tnLst>
+  </p:timing>
 </p:sld>
 </file>
 
@@ -12763,62 +13009,59 @@
           <a:bodyPr/>
           <a:lstStyle/>
           <a:p>
+            <a:r>
+              <a:rPr lang="de-DE" dirty="0" smtClean="0"/>
+              <a:t>Läuft eine Applikation im </a:t>
+            </a:r>
+            <a:r>
+              <a:rPr lang="de-DE" dirty="0" err="1" smtClean="0"/>
+              <a:t>Debug</a:t>
+            </a:r>
+            <a:r>
+              <a:rPr lang="de-DE" dirty="0" smtClean="0"/>
+              <a:t> Modus und passiert der ausgeführte Code einen Breakpoint, so bleibt die Codeausführung stehen. (F5/F10/F11)</a:t>
+            </a:r>
+          </a:p>
+          <a:p>
+            <a:r>
+              <a:rPr lang="de-DE" dirty="0" smtClean="0"/>
+              <a:t>Der aktuelle Status kann ausgelesen werden (</a:t>
+            </a:r>
+            <a:r>
+              <a:rPr lang="de-DE" dirty="0" err="1" smtClean="0"/>
+              <a:t>CallStack</a:t>
+            </a:r>
+            <a:r>
+              <a:rPr lang="de-DE" dirty="0" smtClean="0"/>
+              <a:t>/Variablen…)</a:t>
+            </a:r>
+          </a:p>
+          <a:p>
+            <a:r>
+              <a:rPr lang="de-DE" dirty="0" smtClean="0"/>
+              <a:t>Breakpoint können mit F9 oder durch einen Klick am Rand des Codeeditors eingefügt werden.</a:t>
+            </a:r>
+          </a:p>
+          <a:p>
+            <a:endParaRPr lang="de-DE" dirty="0"/>
+          </a:p>
+          <a:p>
             <a:endParaRPr lang="de-DE" dirty="0" smtClean="0"/>
           </a:p>
           <a:p>
             <a:endParaRPr lang="de-DE" dirty="0"/>
           </a:p>
           <a:p>
-            <a:endParaRPr lang="de-DE" dirty="0" smtClean="0"/>
-          </a:p>
-          <a:p>
             <a:r>
               <a:rPr lang="de-DE" dirty="0" smtClean="0"/>
-              <a:t>F10 – Single </a:t>
-            </a:r>
-            <a:r>
-              <a:rPr lang="de-DE" dirty="0" err="1" smtClean="0"/>
-              <a:t>Step</a:t>
-            </a:r>
-            <a:endParaRPr lang="de-DE" dirty="0" smtClean="0"/>
-          </a:p>
-          <a:p>
-            <a:pPr lvl="1"/>
+              <a:t>Breakpoints können deaktiviert und Bedingungen enthalten</a:t>
+            </a:r>
+          </a:p>
+          <a:p>
             <a:r>
               <a:rPr lang="de-DE" dirty="0" smtClean="0"/>
-              <a:t>Schritt im aktuellem Codeblock „weiterschreiten“</a:t>
-            </a:r>
-          </a:p>
-          <a:p>
-            <a:pPr lvl="1"/>
-            <a:endParaRPr lang="de-DE" dirty="0"/>
-          </a:p>
-          <a:p>
-            <a:r>
-              <a:rPr lang="de-DE" dirty="0" smtClean="0"/>
-              <a:t>F11 – </a:t>
-            </a:r>
-            <a:r>
-              <a:rPr lang="de-DE" dirty="0" err="1" smtClean="0"/>
-              <a:t>Step</a:t>
-            </a:r>
-            <a:r>
-              <a:rPr lang="de-DE" dirty="0" smtClean="0"/>
-              <a:t> </a:t>
-            </a:r>
-            <a:r>
-              <a:rPr lang="de-DE" dirty="0" err="1" smtClean="0"/>
-              <a:t>Into</a:t>
-            </a:r>
-            <a:endParaRPr lang="de-DE" dirty="0" smtClean="0"/>
-          </a:p>
-          <a:p>
-            <a:pPr lvl="1"/>
-            <a:r>
-              <a:rPr lang="de-DE" dirty="0" smtClean="0"/>
-              <a:t>In eine aktuelle Funktion einsteigen</a:t>
-            </a:r>
-            <a:endParaRPr lang="de-DE" dirty="0"/>
+              <a:t>Eine Liste aller Breakpoints kann man im Breakpoints Tool Fenster finden</a:t>
+            </a:r>
           </a:p>
         </p:txBody>
       </p:sp>
@@ -12839,7 +13082,7 @@
           <a:p>
             <a:r>
               <a:rPr lang="de-DE" dirty="0" smtClean="0"/>
-              <a:t>Debugging – Visual Studio</a:t>
+              <a:t>Debugging – Visual Studio - Breakpoints</a:t>
             </a:r>
             <a:endParaRPr lang="de-DE" dirty="0"/>
           </a:p>
@@ -12910,562 +13153,6 @@
               <a:rPr lang="de-DE" smtClean="0"/>
               <a:pPr/>
               <a:t>19</a:t>
-            </a:fld>
-            <a:endParaRPr lang="de-DE" dirty="0"/>
-          </a:p>
-        </p:txBody>
-      </p:sp>
-      <p:pic>
-        <p:nvPicPr>
-          <p:cNvPr id="7" name="Inhaltsplatzhalter 6"/>
-          <p:cNvPicPr>
-            <a:picLocks noChangeAspect="1"/>
-          </p:cNvPicPr>
-          <p:nvPr/>
-        </p:nvPicPr>
-        <p:blipFill>
-          <a:blip r:embed="rId2"/>
-          <a:stretch>
-            <a:fillRect/>
-          </a:stretch>
-        </p:blipFill>
-        <p:spPr>
-          <a:xfrm>
-            <a:off x="179512" y="833642"/>
-            <a:ext cx="8640762" cy="790711"/>
-          </a:xfrm>
-          <a:prstGeom prst="rect">
-            <a:avLst/>
-          </a:prstGeom>
-        </p:spPr>
-      </p:pic>
-    </p:spTree>
-    <p:extLst>
-      <p:ext uri="{BB962C8B-B14F-4D97-AF65-F5344CB8AC3E}">
-        <p14:creationId xmlns:p14="http://schemas.microsoft.com/office/powerpoint/2010/main" val="1833273436"/>
-      </p:ext>
-    </p:extLst>
-  </p:cSld>
-  <p:clrMapOvr>
-    <a:masterClrMapping/>
-  </p:clrMapOvr>
-  <mc:AlternateContent xmlns:mc="http://schemas.openxmlformats.org/markup-compatibility/2006" xmlns:p14="http://schemas.microsoft.com/office/powerpoint/2010/main">
-    <mc:Choice Requires="p14">
-      <p:transition spd="med" p14:dur="700">
-        <p:fade/>
-      </p:transition>
-    </mc:Choice>
-    <mc:Fallback xmlns="">
-      <p:transition spd="med">
-        <p:fade/>
-      </p:transition>
-    </mc:Fallback>
-  </mc:AlternateContent>
-</p:sld>
-</file>
-
-<file path=ppt/slides/slide2.xml><?xml version="1.0" encoding="utf-8"?>
-<p:sld xmlns:a="http://schemas.openxmlformats.org/drawingml/2006/main" xmlns:r="http://schemas.openxmlformats.org/officeDocument/2006/relationships" xmlns:p="http://schemas.openxmlformats.org/presentationml/2006/main">
-  <p:cSld>
-    <p:spTree>
-      <p:nvGrpSpPr>
-        <p:cNvPr id="1" name=""/>
-        <p:cNvGrpSpPr/>
-        <p:nvPr/>
-      </p:nvGrpSpPr>
-      <p:grpSpPr>
-        <a:xfrm>
-          <a:off x="0" y="0"/>
-          <a:ext cx="0" cy="0"/>
-          <a:chOff x="0" y="0"/>
-          <a:chExt cx="0" cy="0"/>
-        </a:xfrm>
-      </p:grpSpPr>
-      <p:sp>
-        <p:nvSpPr>
-          <p:cNvPr id="2" name="Inhaltsplatzhalter 1"/>
-          <p:cNvSpPr>
-            <a:spLocks noGrp="1"/>
-          </p:cNvSpPr>
-          <p:nvPr>
-            <p:ph idx="1"/>
-          </p:nvPr>
-        </p:nvSpPr>
-        <p:spPr/>
-        <p:txBody>
-          <a:bodyPr/>
-          <a:lstStyle/>
-          <a:p>
-            <a:pPr marL="342900" indent="-342900">
-              <a:buFont typeface="+mj-lt"/>
-              <a:buAutoNum type="arabicPeriod"/>
-            </a:pPr>
-            <a:r>
-              <a:rPr lang="de-DE" dirty="0" smtClean="0"/>
-              <a:t>Fehlerbehandlung</a:t>
-            </a:r>
-          </a:p>
-          <a:p>
-            <a:pPr marL="706500" lvl="1" indent="-342900">
-              <a:buFont typeface="+mj-lt"/>
-              <a:buAutoNum type="arabicPeriod"/>
-            </a:pPr>
-            <a:r>
-              <a:rPr lang="de-DE" dirty="0" smtClean="0"/>
-              <a:t>Warum treten Fehler auf? </a:t>
-            </a:r>
-            <a:endParaRPr lang="de-DE" dirty="0"/>
-          </a:p>
-          <a:p>
-            <a:pPr marL="706500" lvl="1" indent="-342900">
-              <a:buFont typeface="+mj-lt"/>
-              <a:buAutoNum type="arabicPeriod"/>
-            </a:pPr>
-            <a:r>
-              <a:rPr lang="de-DE" dirty="0" smtClean="0"/>
-              <a:t>Auswirkungen</a:t>
-            </a:r>
-          </a:p>
-          <a:p>
-            <a:pPr marL="706500" lvl="1" indent="-342900">
-              <a:buFont typeface="+mj-lt"/>
-              <a:buAutoNum type="arabicPeriod"/>
-            </a:pPr>
-            <a:r>
-              <a:rPr lang="de-DE" dirty="0" smtClean="0"/>
-              <a:t>Definition </a:t>
-            </a:r>
-            <a:r>
-              <a:rPr lang="de-DE" dirty="0" err="1" smtClean="0"/>
-              <a:t>Exceptions</a:t>
-            </a:r>
-            <a:endParaRPr lang="de-DE" dirty="0" smtClean="0"/>
-          </a:p>
-          <a:p>
-            <a:pPr marL="706500" lvl="1" indent="-342900">
-              <a:buFont typeface="+mj-lt"/>
-              <a:buAutoNum type="arabicPeriod"/>
-            </a:pPr>
-            <a:r>
-              <a:rPr lang="de-DE" dirty="0" err="1" smtClean="0"/>
-              <a:t>Exception</a:t>
-            </a:r>
-            <a:r>
-              <a:rPr lang="de-DE" dirty="0" smtClean="0"/>
-              <a:t> Handling (Code Beispiele / Live </a:t>
-            </a:r>
-            <a:r>
-              <a:rPr lang="de-DE" dirty="0" err="1" smtClean="0"/>
-              <a:t>Coding</a:t>
-            </a:r>
-            <a:r>
-              <a:rPr lang="de-DE" dirty="0" smtClean="0"/>
-              <a:t>)</a:t>
-            </a:r>
-          </a:p>
-          <a:p>
-            <a:pPr marL="706500" lvl="1" indent="-342900">
-              <a:buFont typeface="+mj-lt"/>
-              <a:buAutoNum type="arabicPeriod"/>
-            </a:pPr>
-            <a:r>
-              <a:rPr lang="de-DE" dirty="0" smtClean="0"/>
-              <a:t>Übung -&gt; </a:t>
-            </a:r>
-            <a:r>
-              <a:rPr lang="de-DE" dirty="0" err="1" smtClean="0"/>
-              <a:t>Exceptions</a:t>
-            </a:r>
-            <a:endParaRPr lang="de-DE" dirty="0" smtClean="0"/>
-          </a:p>
-          <a:p>
-            <a:pPr marL="342900" indent="-342900">
-              <a:buFont typeface="+mj-lt"/>
-              <a:buAutoNum type="arabicPeriod"/>
-            </a:pPr>
-            <a:r>
-              <a:rPr lang="de-DE" dirty="0" smtClean="0"/>
-              <a:t>Debugging</a:t>
-            </a:r>
-          </a:p>
-          <a:p>
-            <a:pPr marL="706500" lvl="1" indent="-342900">
-              <a:buFont typeface="+mj-lt"/>
-              <a:buAutoNum type="arabicPeriod"/>
-            </a:pPr>
-            <a:r>
-              <a:rPr lang="de-DE" dirty="0" smtClean="0"/>
-              <a:t>Einführung Debugging – Visual Studio</a:t>
-            </a:r>
-          </a:p>
-          <a:p>
-            <a:pPr marL="706500" lvl="1" indent="-342900">
-              <a:buFont typeface="+mj-lt"/>
-              <a:buAutoNum type="arabicPeriod"/>
-            </a:pPr>
-            <a:r>
-              <a:rPr lang="de-DE" dirty="0" smtClean="0"/>
-              <a:t>Breakpoints</a:t>
-            </a:r>
-          </a:p>
-          <a:p>
-            <a:pPr marL="706500" lvl="1" indent="-342900">
-              <a:buFont typeface="+mj-lt"/>
-              <a:buAutoNum type="arabicPeriod"/>
-            </a:pPr>
-            <a:r>
-              <a:rPr lang="de-DE" dirty="0" smtClean="0"/>
-              <a:t>Call Stack</a:t>
-            </a:r>
-          </a:p>
-          <a:p>
-            <a:pPr marL="706500" lvl="1" indent="-342900">
-              <a:buFont typeface="+mj-lt"/>
-              <a:buAutoNum type="arabicPeriod"/>
-            </a:pPr>
-            <a:r>
-              <a:rPr lang="de-DE" dirty="0" smtClean="0"/>
-              <a:t>Code Beispiel / Live </a:t>
-            </a:r>
-            <a:r>
-              <a:rPr lang="de-DE" dirty="0" err="1" smtClean="0"/>
-              <a:t>Coding</a:t>
-            </a:r>
-            <a:endParaRPr lang="de-DE" dirty="0" smtClean="0"/>
-          </a:p>
-          <a:p>
-            <a:pPr marL="706500" lvl="1" indent="-342900">
-              <a:buFont typeface="+mj-lt"/>
-              <a:buAutoNum type="arabicPeriod"/>
-            </a:pPr>
-            <a:r>
-              <a:rPr lang="de-DE" dirty="0" smtClean="0"/>
-              <a:t>Übung -&gt; Debugging</a:t>
-            </a:r>
-          </a:p>
-          <a:p>
-            <a:endParaRPr lang="de-DE" dirty="0" smtClean="0"/>
-          </a:p>
-          <a:p>
-            <a:endParaRPr lang="de-DE" dirty="0"/>
-          </a:p>
-        </p:txBody>
-      </p:sp>
-      <p:sp>
-        <p:nvSpPr>
-          <p:cNvPr id="3" name="Textplatzhalter 2"/>
-          <p:cNvSpPr>
-            <a:spLocks noGrp="1"/>
-          </p:cNvSpPr>
-          <p:nvPr>
-            <p:ph type="body" sz="quarter" idx="13"/>
-          </p:nvPr>
-        </p:nvSpPr>
-        <p:spPr/>
-        <p:txBody>
-          <a:bodyPr/>
-          <a:lstStyle/>
-          <a:p>
-            <a:r>
-              <a:rPr lang="de-DE" dirty="0" smtClean="0"/>
-              <a:t>Agenda</a:t>
-            </a:r>
-            <a:endParaRPr lang="de-DE" dirty="0"/>
-          </a:p>
-        </p:txBody>
-      </p:sp>
-      <p:sp>
-        <p:nvSpPr>
-          <p:cNvPr id="4" name="Datumsplatzhalter 3"/>
-          <p:cNvSpPr>
-            <a:spLocks noGrp="1"/>
-          </p:cNvSpPr>
-          <p:nvPr>
-            <p:ph type="dt" sz="half" idx="14"/>
-          </p:nvPr>
-        </p:nvSpPr>
-        <p:spPr/>
-        <p:txBody>
-          <a:bodyPr/>
-          <a:lstStyle/>
-          <a:p>
-            <a:fld id="{2D5F1F67-70C5-401C-B716-055CEDB7275B}" type="datetime1">
-              <a:rPr lang="de-DE" smtClean="0"/>
-              <a:t>26.02.2019</a:t>
-            </a:fld>
-            <a:endParaRPr lang="de-DE" dirty="0"/>
-          </a:p>
-        </p:txBody>
-      </p:sp>
-      <p:sp>
-        <p:nvSpPr>
-          <p:cNvPr id="5" name="Fußzeilenplatzhalter 4"/>
-          <p:cNvSpPr>
-            <a:spLocks noGrp="1"/>
-          </p:cNvSpPr>
-          <p:nvPr>
-            <p:ph type="ftr" sz="quarter" idx="15"/>
-          </p:nvPr>
-        </p:nvSpPr>
-        <p:spPr/>
-        <p:txBody>
-          <a:bodyPr/>
-          <a:lstStyle/>
-          <a:p>
-            <a:r>
-              <a:rPr lang="de-DE" smtClean="0"/>
-              <a:t>Präsentationstitel - Abschnitt</a:t>
-            </a:r>
-            <a:endParaRPr lang="de-DE" dirty="0" smtClean="0"/>
-          </a:p>
-        </p:txBody>
-      </p:sp>
-      <p:sp>
-        <p:nvSpPr>
-          <p:cNvPr id="6" name="Foliennummernplatzhalter 5"/>
-          <p:cNvSpPr>
-            <a:spLocks noGrp="1"/>
-          </p:cNvSpPr>
-          <p:nvPr>
-            <p:ph type="sldNum" sz="quarter" idx="16"/>
-          </p:nvPr>
-        </p:nvSpPr>
-        <p:spPr/>
-        <p:txBody>
-          <a:bodyPr/>
-          <a:lstStyle/>
-          <a:p>
-            <a:fld id="{60C3F94D-330F-430E-BA11-03892EAD69A5}" type="slidenum">
-              <a:rPr lang="de-DE" smtClean="0"/>
-              <a:pPr/>
-              <a:t>2</a:t>
-            </a:fld>
-            <a:endParaRPr lang="de-DE" dirty="0"/>
-          </a:p>
-        </p:txBody>
-      </p:sp>
-    </p:spTree>
-    <p:extLst>
-      <p:ext uri="{BB962C8B-B14F-4D97-AF65-F5344CB8AC3E}">
-        <p14:creationId xmlns:p14="http://schemas.microsoft.com/office/powerpoint/2010/main" val="167347983"/>
-      </p:ext>
-    </p:extLst>
-  </p:cSld>
-  <p:clrMapOvr>
-    <a:masterClrMapping/>
-  </p:clrMapOvr>
-  <mc:AlternateContent xmlns:mc="http://schemas.openxmlformats.org/markup-compatibility/2006" xmlns:p14="http://schemas.microsoft.com/office/powerpoint/2010/main">
-    <mc:Choice Requires="p14">
-      <p:transition spd="med" p14:dur="700">
-        <p:fade/>
-      </p:transition>
-    </mc:Choice>
-    <mc:Fallback xmlns="">
-      <p:transition spd="med">
-        <p:fade/>
-      </p:transition>
-    </mc:Fallback>
-  </mc:AlternateContent>
-</p:sld>
-</file>
-
-<file path=ppt/slides/slide20.xml><?xml version="1.0" encoding="utf-8"?>
-<p:sld xmlns:a="http://schemas.openxmlformats.org/drawingml/2006/main" xmlns:r="http://schemas.openxmlformats.org/officeDocument/2006/relationships" xmlns:p="http://schemas.openxmlformats.org/presentationml/2006/main">
-  <p:cSld>
-    <p:spTree>
-      <p:nvGrpSpPr>
-        <p:cNvPr id="1" name=""/>
-        <p:cNvGrpSpPr/>
-        <p:nvPr/>
-      </p:nvGrpSpPr>
-      <p:grpSpPr>
-        <a:xfrm>
-          <a:off x="0" y="0"/>
-          <a:ext cx="0" cy="0"/>
-          <a:chOff x="0" y="0"/>
-          <a:chExt cx="0" cy="0"/>
-        </a:xfrm>
-      </p:grpSpPr>
-      <p:sp>
-        <p:nvSpPr>
-          <p:cNvPr id="2" name="Inhaltsplatzhalter 1"/>
-          <p:cNvSpPr>
-            <a:spLocks noGrp="1"/>
-          </p:cNvSpPr>
-          <p:nvPr>
-            <p:ph idx="1"/>
-          </p:nvPr>
-        </p:nvSpPr>
-        <p:spPr/>
-        <p:txBody>
-          <a:bodyPr/>
-          <a:lstStyle/>
-          <a:p>
-            <a:r>
-              <a:rPr lang="de-DE" dirty="0" smtClean="0"/>
-              <a:t>Läuft eine Applikation im </a:t>
-            </a:r>
-            <a:r>
-              <a:rPr lang="de-DE" dirty="0" err="1" smtClean="0"/>
-              <a:t>Debug</a:t>
-            </a:r>
-            <a:r>
-              <a:rPr lang="de-DE" dirty="0" smtClean="0"/>
-              <a:t> Modus und passiert der ausgeführte Code einen Breakpoint, so bleibt die </a:t>
-            </a:r>
-            <a:r>
-              <a:rPr lang="de-DE" dirty="0" smtClean="0"/>
-              <a:t>Codeausführung </a:t>
-            </a:r>
-            <a:r>
-              <a:rPr lang="de-DE" dirty="0" smtClean="0"/>
-              <a:t>stehen</a:t>
-            </a:r>
-            <a:r>
-              <a:rPr lang="de-DE" dirty="0" smtClean="0"/>
-              <a:t>. (F5/F10/F11)</a:t>
-            </a:r>
-            <a:endParaRPr lang="de-DE" dirty="0" smtClean="0"/>
-          </a:p>
-          <a:p>
-            <a:r>
-              <a:rPr lang="de-DE" dirty="0" smtClean="0"/>
-              <a:t>Der aktuelle Status kann </a:t>
-            </a:r>
-            <a:r>
-              <a:rPr lang="de-DE" dirty="0" smtClean="0"/>
-              <a:t>ausgelesen </a:t>
-            </a:r>
-            <a:r>
-              <a:rPr lang="de-DE" dirty="0" smtClean="0"/>
-              <a:t>werden (</a:t>
-            </a:r>
-            <a:r>
-              <a:rPr lang="de-DE" dirty="0" err="1" smtClean="0"/>
-              <a:t>CallStack</a:t>
-            </a:r>
-            <a:r>
-              <a:rPr lang="de-DE" dirty="0" smtClean="0"/>
-              <a:t>/Variablen…)</a:t>
-            </a:r>
-          </a:p>
-          <a:p>
-            <a:r>
-              <a:rPr lang="de-DE" dirty="0" smtClean="0"/>
-              <a:t>Breakpoint können mit F9 oder durch einen Klick am Rand des Codeeditors eingefügt werden.</a:t>
-            </a:r>
-          </a:p>
-          <a:p>
-            <a:endParaRPr lang="de-DE" dirty="0"/>
-          </a:p>
-          <a:p>
-            <a:endParaRPr lang="de-DE" dirty="0" smtClean="0"/>
-          </a:p>
-          <a:p>
-            <a:endParaRPr lang="de-DE" dirty="0"/>
-          </a:p>
-          <a:p>
-            <a:r>
-              <a:rPr lang="de-DE" dirty="0" smtClean="0"/>
-              <a:t>Breakpoints können deaktiviert und Bedingungen enthalten</a:t>
-            </a:r>
-          </a:p>
-          <a:p>
-            <a:r>
-              <a:rPr lang="de-DE" dirty="0" smtClean="0"/>
-              <a:t>Eine Liste aller Breakpoints kann man im Breakpoints Tool Fenster finden</a:t>
-            </a:r>
-          </a:p>
-        </p:txBody>
-      </p:sp>
-      <p:sp>
-        <p:nvSpPr>
-          <p:cNvPr id="3" name="Textplatzhalter 2"/>
-          <p:cNvSpPr>
-            <a:spLocks noGrp="1"/>
-          </p:cNvSpPr>
-          <p:nvPr>
-            <p:ph type="body" sz="quarter" idx="13"/>
-          </p:nvPr>
-        </p:nvSpPr>
-        <p:spPr/>
-        <p:txBody>
-          <a:bodyPr/>
-          <a:lstStyle/>
-          <a:p>
-            <a:r>
-              <a:rPr lang="de-DE" dirty="0" smtClean="0"/>
-              <a:t>Debugging – Visual Studio - Breakpoints</a:t>
-            </a:r>
-            <a:endParaRPr lang="de-DE" dirty="0"/>
-          </a:p>
-        </p:txBody>
-      </p:sp>
-      <p:sp>
-        <p:nvSpPr>
-          <p:cNvPr id="4" name="Datumsplatzhalter 3"/>
-          <p:cNvSpPr>
-            <a:spLocks noGrp="1"/>
-          </p:cNvSpPr>
-          <p:nvPr>
-            <p:ph type="dt" sz="half" idx="14"/>
-          </p:nvPr>
-        </p:nvSpPr>
-        <p:spPr/>
-        <p:txBody>
-          <a:bodyPr/>
-          <a:lstStyle/>
-          <a:p>
-            <a:fld id="{2D5F1F67-70C5-401C-B716-055CEDB7275B}" type="datetime1">
-              <a:rPr lang="de-DE" smtClean="0"/>
-              <a:t>26.02.2019</a:t>
-            </a:fld>
-            <a:endParaRPr lang="de-DE" dirty="0"/>
-          </a:p>
-        </p:txBody>
-      </p:sp>
-      <p:sp>
-        <p:nvSpPr>
-          <p:cNvPr id="5" name="Fußzeilenplatzhalter 4"/>
-          <p:cNvSpPr>
-            <a:spLocks noGrp="1"/>
-          </p:cNvSpPr>
-          <p:nvPr>
-            <p:ph type="ftr" sz="quarter" idx="15"/>
-          </p:nvPr>
-        </p:nvSpPr>
-        <p:spPr/>
-        <p:txBody>
-          <a:bodyPr/>
-          <a:lstStyle/>
-          <a:p>
-            <a:r>
-              <a:rPr lang="de-DE" smtClean="0"/>
-              <a:t>Präsentationstitel - Abschnitt</a:t>
-            </a:r>
-            <a:endParaRPr lang="de-DE" dirty="0" smtClean="0"/>
-          </a:p>
-        </p:txBody>
-      </p:sp>
-      <p:sp>
-        <p:nvSpPr>
-          <p:cNvPr id="6" name="Foliennummernplatzhalter 5"/>
-          <p:cNvSpPr>
-            <a:spLocks noGrp="1"/>
-          </p:cNvSpPr>
-          <p:nvPr>
-            <p:ph type="sldNum" sz="quarter" idx="16"/>
-          </p:nvPr>
-        </p:nvSpPr>
-        <p:spPr/>
-        <p:txBody>
-          <a:bodyPr/>
-          <a:lstStyle/>
-          <a:p>
-            <a:fld id="{60C3F94D-330F-430E-BA11-03892EAD69A5}" type="slidenum">
-              <a:rPr lang="de-DE" smtClean="0"/>
-              <a:pPr/>
-              <a:t>20</a:t>
             </a:fld>
             <a:endParaRPr lang="de-DE" dirty="0"/>
           </a:p>
@@ -13541,6 +13228,575 @@
       </p:transition>
     </mc:Fallback>
   </mc:AlternateContent>
+  <p:timing>
+    <p:tnLst>
+      <p:par>
+        <p:cTn id="1" dur="indefinite" restart="never" nodeType="tmRoot"/>
+      </p:par>
+    </p:tnLst>
+  </p:timing>
+</p:sld>
+</file>
+
+<file path=ppt/slides/slide2.xml><?xml version="1.0" encoding="utf-8"?>
+<p:sld xmlns:a="http://schemas.openxmlformats.org/drawingml/2006/main" xmlns:r="http://schemas.openxmlformats.org/officeDocument/2006/relationships" xmlns:p="http://schemas.openxmlformats.org/presentationml/2006/main">
+  <p:cSld>
+    <p:spTree>
+      <p:nvGrpSpPr>
+        <p:cNvPr id="1" name=""/>
+        <p:cNvGrpSpPr/>
+        <p:nvPr/>
+      </p:nvGrpSpPr>
+      <p:grpSpPr>
+        <a:xfrm>
+          <a:off x="0" y="0"/>
+          <a:ext cx="0" cy="0"/>
+          <a:chOff x="0" y="0"/>
+          <a:chExt cx="0" cy="0"/>
+        </a:xfrm>
+      </p:grpSpPr>
+      <p:sp>
+        <p:nvSpPr>
+          <p:cNvPr id="2" name="Inhaltsplatzhalter 1"/>
+          <p:cNvSpPr>
+            <a:spLocks noGrp="1"/>
+          </p:cNvSpPr>
+          <p:nvPr>
+            <p:ph idx="1"/>
+          </p:nvPr>
+        </p:nvSpPr>
+        <p:spPr/>
+        <p:txBody>
+          <a:bodyPr/>
+          <a:lstStyle/>
+          <a:p>
+            <a:pPr marL="342900" indent="-342900">
+              <a:buFont typeface="+mj-lt"/>
+              <a:buAutoNum type="arabicPeriod"/>
+            </a:pPr>
+            <a:r>
+              <a:rPr lang="de-DE" dirty="0" smtClean="0"/>
+              <a:t>Fehlerbehandlung</a:t>
+            </a:r>
+          </a:p>
+          <a:p>
+            <a:pPr marL="706500" lvl="1" indent="-342900">
+              <a:buFont typeface="+mj-lt"/>
+              <a:buAutoNum type="arabicPeriod"/>
+            </a:pPr>
+            <a:r>
+              <a:rPr lang="de-DE" dirty="0" smtClean="0"/>
+              <a:t>Warum treten Fehler auf? </a:t>
+            </a:r>
+            <a:endParaRPr lang="de-DE" dirty="0"/>
+          </a:p>
+          <a:p>
+            <a:pPr marL="706500" lvl="1" indent="-342900">
+              <a:buFont typeface="+mj-lt"/>
+              <a:buAutoNum type="arabicPeriod"/>
+            </a:pPr>
+            <a:r>
+              <a:rPr lang="de-DE" dirty="0" smtClean="0"/>
+              <a:t>Auswirkungen</a:t>
+            </a:r>
+          </a:p>
+          <a:p>
+            <a:pPr marL="706500" lvl="1" indent="-342900">
+              <a:buFont typeface="+mj-lt"/>
+              <a:buAutoNum type="arabicPeriod"/>
+            </a:pPr>
+            <a:r>
+              <a:rPr lang="de-DE" dirty="0" smtClean="0"/>
+              <a:t>Definition </a:t>
+            </a:r>
+            <a:r>
+              <a:rPr lang="de-DE" dirty="0" err="1" smtClean="0"/>
+              <a:t>Exceptions</a:t>
+            </a:r>
+            <a:endParaRPr lang="de-DE" dirty="0" smtClean="0"/>
+          </a:p>
+          <a:p>
+            <a:pPr marL="706500" lvl="1" indent="-342900">
+              <a:buFont typeface="+mj-lt"/>
+              <a:buAutoNum type="arabicPeriod"/>
+            </a:pPr>
+            <a:r>
+              <a:rPr lang="de-DE" dirty="0" err="1" smtClean="0"/>
+              <a:t>Exception</a:t>
+            </a:r>
+            <a:r>
+              <a:rPr lang="de-DE" dirty="0" smtClean="0"/>
+              <a:t> </a:t>
+            </a:r>
+            <a:r>
+              <a:rPr lang="de-DE" dirty="0" smtClean="0"/>
+              <a:t>Handling</a:t>
+            </a:r>
+            <a:endParaRPr lang="de-DE" dirty="0" smtClean="0"/>
+          </a:p>
+          <a:p>
+            <a:pPr marL="706500" lvl="1" indent="-342900">
+              <a:buFont typeface="+mj-lt"/>
+              <a:buAutoNum type="arabicPeriod"/>
+            </a:pPr>
+            <a:r>
+              <a:rPr lang="de-DE" dirty="0" smtClean="0"/>
+              <a:t>Übung</a:t>
+            </a:r>
+          </a:p>
+          <a:p>
+            <a:pPr marL="342900" indent="-342900">
+              <a:buFont typeface="+mj-lt"/>
+              <a:buAutoNum type="arabicPeriod"/>
+            </a:pPr>
+            <a:r>
+              <a:rPr lang="de-DE" dirty="0" smtClean="0"/>
+              <a:t>Debugging</a:t>
+            </a:r>
+            <a:endParaRPr lang="de-DE" dirty="0" smtClean="0"/>
+          </a:p>
+          <a:p>
+            <a:pPr marL="706500" lvl="1" indent="-342900">
+              <a:buFont typeface="+mj-lt"/>
+              <a:buAutoNum type="arabicPeriod"/>
+            </a:pPr>
+            <a:r>
+              <a:rPr lang="de-DE" dirty="0" smtClean="0"/>
+              <a:t>Einführung Debugging – Visual Studio</a:t>
+            </a:r>
+          </a:p>
+          <a:p>
+            <a:pPr marL="706500" lvl="1" indent="-342900">
+              <a:buFont typeface="+mj-lt"/>
+              <a:buAutoNum type="arabicPeriod"/>
+            </a:pPr>
+            <a:r>
+              <a:rPr lang="de-DE" dirty="0" smtClean="0"/>
+              <a:t>Breakpoints</a:t>
+            </a:r>
+          </a:p>
+          <a:p>
+            <a:pPr marL="706500" lvl="1" indent="-342900">
+              <a:buFont typeface="+mj-lt"/>
+              <a:buAutoNum type="arabicPeriod"/>
+            </a:pPr>
+            <a:r>
+              <a:rPr lang="de-DE" dirty="0" smtClean="0"/>
+              <a:t>Call Stack</a:t>
+            </a:r>
+          </a:p>
+          <a:p>
+            <a:pPr marL="706500" lvl="1" indent="-342900">
+              <a:buFont typeface="+mj-lt"/>
+              <a:buAutoNum type="arabicPeriod"/>
+            </a:pPr>
+            <a:r>
+              <a:rPr lang="de-DE" dirty="0" smtClean="0"/>
+              <a:t>Übung</a:t>
+            </a:r>
+          </a:p>
+          <a:p>
+            <a:pPr marL="342900" indent="-342900">
+              <a:buFont typeface="+mj-lt"/>
+              <a:buAutoNum type="arabicPeriod"/>
+            </a:pPr>
+            <a:r>
+              <a:rPr lang="de-DE" dirty="0" err="1" smtClean="0"/>
+              <a:t>Logging</a:t>
+            </a:r>
+            <a:endParaRPr lang="de-DE" dirty="0" smtClean="0"/>
+          </a:p>
+          <a:p>
+            <a:pPr marL="706500" lvl="1" indent="-342900">
+              <a:buFont typeface="+mj-lt"/>
+              <a:buAutoNum type="arabicPeriod"/>
+            </a:pPr>
+            <a:r>
+              <a:rPr lang="de-DE" dirty="0" smtClean="0"/>
+              <a:t>Warum / Was / Wohin</a:t>
+            </a:r>
+          </a:p>
+          <a:p>
+            <a:pPr marL="706500" lvl="1" indent="-342900">
+              <a:buFont typeface="+mj-lt"/>
+              <a:buAutoNum type="arabicPeriod"/>
+            </a:pPr>
+            <a:r>
+              <a:rPr lang="de-DE" dirty="0" smtClean="0"/>
+              <a:t>Log4net</a:t>
+            </a:r>
+            <a:endParaRPr lang="de-DE" dirty="0" smtClean="0"/>
+          </a:p>
+          <a:p>
+            <a:endParaRPr lang="de-DE" dirty="0" smtClean="0"/>
+          </a:p>
+          <a:p>
+            <a:endParaRPr lang="de-DE" dirty="0"/>
+          </a:p>
+        </p:txBody>
+      </p:sp>
+      <p:sp>
+        <p:nvSpPr>
+          <p:cNvPr id="3" name="Textplatzhalter 2"/>
+          <p:cNvSpPr>
+            <a:spLocks noGrp="1"/>
+          </p:cNvSpPr>
+          <p:nvPr>
+            <p:ph type="body" sz="quarter" idx="13"/>
+          </p:nvPr>
+        </p:nvSpPr>
+        <p:spPr/>
+        <p:txBody>
+          <a:bodyPr/>
+          <a:lstStyle/>
+          <a:p>
+            <a:r>
+              <a:rPr lang="de-DE" dirty="0" smtClean="0"/>
+              <a:t>Agenda</a:t>
+            </a:r>
+            <a:endParaRPr lang="de-DE" dirty="0"/>
+          </a:p>
+        </p:txBody>
+      </p:sp>
+      <p:sp>
+        <p:nvSpPr>
+          <p:cNvPr id="4" name="Datumsplatzhalter 3"/>
+          <p:cNvSpPr>
+            <a:spLocks noGrp="1"/>
+          </p:cNvSpPr>
+          <p:nvPr>
+            <p:ph type="dt" sz="half" idx="14"/>
+          </p:nvPr>
+        </p:nvSpPr>
+        <p:spPr/>
+        <p:txBody>
+          <a:bodyPr/>
+          <a:lstStyle/>
+          <a:p>
+            <a:fld id="{2D5F1F67-70C5-401C-B716-055CEDB7275B}" type="datetime1">
+              <a:rPr lang="de-DE" smtClean="0"/>
+              <a:t>26.02.2019</a:t>
+            </a:fld>
+            <a:endParaRPr lang="de-DE" dirty="0"/>
+          </a:p>
+        </p:txBody>
+      </p:sp>
+      <p:sp>
+        <p:nvSpPr>
+          <p:cNvPr id="5" name="Fußzeilenplatzhalter 4"/>
+          <p:cNvSpPr>
+            <a:spLocks noGrp="1"/>
+          </p:cNvSpPr>
+          <p:nvPr>
+            <p:ph type="ftr" sz="quarter" idx="15"/>
+          </p:nvPr>
+        </p:nvSpPr>
+        <p:spPr/>
+        <p:txBody>
+          <a:bodyPr/>
+          <a:lstStyle/>
+          <a:p>
+            <a:r>
+              <a:rPr lang="de-DE" smtClean="0"/>
+              <a:t>Präsentationstitel - Abschnitt</a:t>
+            </a:r>
+            <a:endParaRPr lang="de-DE" dirty="0" smtClean="0"/>
+          </a:p>
+        </p:txBody>
+      </p:sp>
+      <p:sp>
+        <p:nvSpPr>
+          <p:cNvPr id="6" name="Foliennummernplatzhalter 5"/>
+          <p:cNvSpPr>
+            <a:spLocks noGrp="1"/>
+          </p:cNvSpPr>
+          <p:nvPr>
+            <p:ph type="sldNum" sz="quarter" idx="16"/>
+          </p:nvPr>
+        </p:nvSpPr>
+        <p:spPr/>
+        <p:txBody>
+          <a:bodyPr/>
+          <a:lstStyle/>
+          <a:p>
+            <a:fld id="{60C3F94D-330F-430E-BA11-03892EAD69A5}" type="slidenum">
+              <a:rPr lang="de-DE" smtClean="0"/>
+              <a:pPr/>
+              <a:t>2</a:t>
+            </a:fld>
+            <a:endParaRPr lang="de-DE" dirty="0"/>
+          </a:p>
+        </p:txBody>
+      </p:sp>
+    </p:spTree>
+    <p:extLst>
+      <p:ext uri="{BB962C8B-B14F-4D97-AF65-F5344CB8AC3E}">
+        <p14:creationId xmlns:p14="http://schemas.microsoft.com/office/powerpoint/2010/main" val="167347983"/>
+      </p:ext>
+    </p:extLst>
+  </p:cSld>
+  <p:clrMapOvr>
+    <a:masterClrMapping/>
+  </p:clrMapOvr>
+  <mc:AlternateContent xmlns:mc="http://schemas.openxmlformats.org/markup-compatibility/2006" xmlns:p14="http://schemas.microsoft.com/office/powerpoint/2010/main">
+    <mc:Choice Requires="p14">
+      <p:transition spd="med" p14:dur="700">
+        <p:fade/>
+      </p:transition>
+    </mc:Choice>
+    <mc:Fallback xmlns="">
+      <p:transition spd="med">
+        <p:fade/>
+      </p:transition>
+    </mc:Fallback>
+  </mc:AlternateContent>
+  <p:timing>
+    <p:tnLst>
+      <p:par>
+        <p:cTn id="1" dur="indefinite" restart="never" nodeType="tmRoot"/>
+      </p:par>
+    </p:tnLst>
+  </p:timing>
+</p:sld>
+</file>
+
+<file path=ppt/slides/slide20.xml><?xml version="1.0" encoding="utf-8"?>
+<p:sld xmlns:a="http://schemas.openxmlformats.org/drawingml/2006/main" xmlns:r="http://schemas.openxmlformats.org/officeDocument/2006/relationships" xmlns:p="http://schemas.openxmlformats.org/presentationml/2006/main">
+  <p:cSld>
+    <p:spTree>
+      <p:nvGrpSpPr>
+        <p:cNvPr id="1" name=""/>
+        <p:cNvGrpSpPr/>
+        <p:nvPr/>
+      </p:nvGrpSpPr>
+      <p:grpSpPr>
+        <a:xfrm>
+          <a:off x="0" y="0"/>
+          <a:ext cx="0" cy="0"/>
+          <a:chOff x="0" y="0"/>
+          <a:chExt cx="0" cy="0"/>
+        </a:xfrm>
+      </p:grpSpPr>
+      <p:sp>
+        <p:nvSpPr>
+          <p:cNvPr id="2" name="Inhaltsplatzhalter 1"/>
+          <p:cNvSpPr>
+            <a:spLocks noGrp="1"/>
+          </p:cNvSpPr>
+          <p:nvPr>
+            <p:ph idx="1"/>
+          </p:nvPr>
+        </p:nvSpPr>
+        <p:spPr/>
+        <p:txBody>
+          <a:bodyPr/>
+          <a:lstStyle/>
+          <a:p>
+            <a:endParaRPr lang="de-DE" dirty="0" smtClean="0"/>
+          </a:p>
+          <a:p>
+            <a:endParaRPr lang="de-DE" dirty="0"/>
+          </a:p>
+          <a:p>
+            <a:endParaRPr lang="de-DE" dirty="0" smtClean="0"/>
+          </a:p>
+          <a:p>
+            <a:r>
+              <a:rPr lang="de-DE" dirty="0" smtClean="0"/>
+              <a:t>F10 – Single </a:t>
+            </a:r>
+            <a:r>
+              <a:rPr lang="de-DE" dirty="0" err="1" smtClean="0"/>
+              <a:t>Step</a:t>
+            </a:r>
+            <a:endParaRPr lang="de-DE" dirty="0" smtClean="0"/>
+          </a:p>
+          <a:p>
+            <a:pPr lvl="1"/>
+            <a:r>
+              <a:rPr lang="de-DE" dirty="0" smtClean="0"/>
+              <a:t>Schritt im aktuellem Codeblock „weiterschreiten“</a:t>
+            </a:r>
+          </a:p>
+          <a:p>
+            <a:pPr lvl="1"/>
+            <a:endParaRPr lang="de-DE" dirty="0"/>
+          </a:p>
+          <a:p>
+            <a:r>
+              <a:rPr lang="de-DE" dirty="0" smtClean="0"/>
+              <a:t>F11 – </a:t>
+            </a:r>
+            <a:r>
+              <a:rPr lang="de-DE" dirty="0" err="1" smtClean="0"/>
+              <a:t>Step</a:t>
+            </a:r>
+            <a:r>
+              <a:rPr lang="de-DE" dirty="0" smtClean="0"/>
+              <a:t> </a:t>
+            </a:r>
+            <a:r>
+              <a:rPr lang="de-DE" dirty="0" err="1" smtClean="0"/>
+              <a:t>Into</a:t>
+            </a:r>
+            <a:endParaRPr lang="de-DE" dirty="0" smtClean="0"/>
+          </a:p>
+          <a:p>
+            <a:pPr lvl="1"/>
+            <a:r>
+              <a:rPr lang="de-DE" dirty="0" smtClean="0"/>
+              <a:t>In eine aktuelle Funktion einsteigen</a:t>
+            </a:r>
+            <a:endParaRPr lang="de-DE" dirty="0"/>
+          </a:p>
+        </p:txBody>
+      </p:sp>
+      <p:sp>
+        <p:nvSpPr>
+          <p:cNvPr id="3" name="Textplatzhalter 2"/>
+          <p:cNvSpPr>
+            <a:spLocks noGrp="1"/>
+          </p:cNvSpPr>
+          <p:nvPr>
+            <p:ph type="body" sz="quarter" idx="13"/>
+          </p:nvPr>
+        </p:nvSpPr>
+        <p:spPr/>
+        <p:txBody>
+          <a:bodyPr/>
+          <a:lstStyle/>
+          <a:p>
+            <a:r>
+              <a:rPr lang="de-DE" dirty="0" smtClean="0"/>
+              <a:t>Debugging – Visual Studio</a:t>
+            </a:r>
+            <a:endParaRPr lang="de-DE" dirty="0"/>
+          </a:p>
+        </p:txBody>
+      </p:sp>
+      <p:sp>
+        <p:nvSpPr>
+          <p:cNvPr id="4" name="Datumsplatzhalter 3"/>
+          <p:cNvSpPr>
+            <a:spLocks noGrp="1"/>
+          </p:cNvSpPr>
+          <p:nvPr>
+            <p:ph type="dt" sz="half" idx="14"/>
+          </p:nvPr>
+        </p:nvSpPr>
+        <p:spPr/>
+        <p:txBody>
+          <a:bodyPr/>
+          <a:lstStyle/>
+          <a:p>
+            <a:fld id="{2D5F1F67-70C5-401C-B716-055CEDB7275B}" type="datetime1">
+              <a:rPr lang="de-DE" smtClean="0"/>
+              <a:t>26.02.2019</a:t>
+            </a:fld>
+            <a:endParaRPr lang="de-DE" dirty="0"/>
+          </a:p>
+        </p:txBody>
+      </p:sp>
+      <p:sp>
+        <p:nvSpPr>
+          <p:cNvPr id="5" name="Fußzeilenplatzhalter 4"/>
+          <p:cNvSpPr>
+            <a:spLocks noGrp="1"/>
+          </p:cNvSpPr>
+          <p:nvPr>
+            <p:ph type="ftr" sz="quarter" idx="15"/>
+          </p:nvPr>
+        </p:nvSpPr>
+        <p:spPr/>
+        <p:txBody>
+          <a:bodyPr/>
+          <a:lstStyle/>
+          <a:p>
+            <a:r>
+              <a:rPr lang="de-DE" smtClean="0"/>
+              <a:t>Präsentationstitel - Abschnitt</a:t>
+            </a:r>
+            <a:endParaRPr lang="de-DE" dirty="0" smtClean="0"/>
+          </a:p>
+        </p:txBody>
+      </p:sp>
+      <p:sp>
+        <p:nvSpPr>
+          <p:cNvPr id="6" name="Foliennummernplatzhalter 5"/>
+          <p:cNvSpPr>
+            <a:spLocks noGrp="1"/>
+          </p:cNvSpPr>
+          <p:nvPr>
+            <p:ph type="sldNum" sz="quarter" idx="16"/>
+          </p:nvPr>
+        </p:nvSpPr>
+        <p:spPr/>
+        <p:txBody>
+          <a:bodyPr/>
+          <a:lstStyle/>
+          <a:p>
+            <a:fld id="{60C3F94D-330F-430E-BA11-03892EAD69A5}" type="slidenum">
+              <a:rPr lang="de-DE" smtClean="0"/>
+              <a:pPr/>
+              <a:t>20</a:t>
+            </a:fld>
+            <a:endParaRPr lang="de-DE" dirty="0"/>
+          </a:p>
+        </p:txBody>
+      </p:sp>
+      <p:pic>
+        <p:nvPicPr>
+          <p:cNvPr id="7" name="Inhaltsplatzhalter 6"/>
+          <p:cNvPicPr>
+            <a:picLocks noChangeAspect="1"/>
+          </p:cNvPicPr>
+          <p:nvPr/>
+        </p:nvPicPr>
+        <p:blipFill>
+          <a:blip r:embed="rId2"/>
+          <a:stretch>
+            <a:fillRect/>
+          </a:stretch>
+        </p:blipFill>
+        <p:spPr>
+          <a:xfrm>
+            <a:off x="179512" y="833642"/>
+            <a:ext cx="8640762" cy="790711"/>
+          </a:xfrm>
+          <a:prstGeom prst="rect">
+            <a:avLst/>
+          </a:prstGeom>
+        </p:spPr>
+      </p:pic>
+    </p:spTree>
+    <p:extLst>
+      <p:ext uri="{BB962C8B-B14F-4D97-AF65-F5344CB8AC3E}">
+        <p14:creationId xmlns:p14="http://schemas.microsoft.com/office/powerpoint/2010/main" val="1833273436"/>
+      </p:ext>
+    </p:extLst>
+  </p:cSld>
+  <p:clrMapOvr>
+    <a:masterClrMapping/>
+  </p:clrMapOvr>
+  <mc:AlternateContent xmlns:mc="http://schemas.openxmlformats.org/markup-compatibility/2006" xmlns:p14="http://schemas.microsoft.com/office/powerpoint/2010/main">
+    <mc:Choice Requires="p14">
+      <p:transition spd="med" p14:dur="700">
+        <p:fade/>
+      </p:transition>
+    </mc:Choice>
+    <mc:Fallback xmlns="">
+      <p:transition spd="med">
+        <p:fade/>
+      </p:transition>
+    </mc:Fallback>
+  </mc:AlternateContent>
+  <p:timing>
+    <p:tnLst>
+      <p:par>
+        <p:cTn id="1" dur="indefinite" restart="never" nodeType="tmRoot"/>
+      </p:par>
+    </p:tnLst>
+  </p:timing>
 </p:sld>
 </file>
 
@@ -13585,8 +13841,20 @@
             <a:pPr lvl="1"/>
             <a:r>
               <a:rPr lang="de-DE" dirty="0" smtClean="0"/>
-              <a:t>Welche Codestelle hat die aktuelle Funktion aufgerufen?</a:t>
-            </a:r>
+              <a:t>Welche Codestelle hat die aktuelle Funktion aufgerufen</a:t>
+            </a:r>
+            <a:r>
+              <a:rPr lang="de-DE" dirty="0" smtClean="0"/>
+              <a:t>?</a:t>
+            </a:r>
+          </a:p>
+          <a:p>
+            <a:pPr lvl="1"/>
+            <a:r>
+              <a:rPr lang="de-DE" dirty="0" smtClean="0"/>
+              <a:t>Von woher komme ich?</a:t>
+            </a:r>
+            <a:endParaRPr lang="de-DE" dirty="0" smtClean="0"/>
           </a:p>
           <a:p>
             <a:pPr lvl="1"/>
@@ -13605,38 +13873,13 @@
             <a:pPr lvl="1"/>
             <a:r>
               <a:rPr lang="de-DE" dirty="0" smtClean="0"/>
-              <a:t>Lokale Variablen</a:t>
-            </a:r>
-            <a:r>
-              <a:rPr lang="de-DE" dirty="0" smtClean="0"/>
-              <a:t>…</a:t>
-            </a:r>
-          </a:p>
-          <a:p>
-            <a:pPr lvl="1"/>
-            <a:endParaRPr lang="de-DE" dirty="0"/>
-          </a:p>
-          <a:p>
-            <a:pPr lvl="1"/>
-            <a:endParaRPr lang="de-DE" dirty="0" smtClean="0"/>
-          </a:p>
-          <a:p>
-            <a:r>
-              <a:rPr lang="de-DE" dirty="0" smtClean="0"/>
-              <a:t>Life Demo in </a:t>
-            </a:r>
-            <a:r>
-              <a:rPr lang="de-DE" dirty="0" err="1" smtClean="0"/>
-              <a:t>Docusnap</a:t>
-            </a:r>
-            <a:r>
-              <a:rPr lang="de-DE" dirty="0" smtClean="0"/>
-              <a:t>?</a:t>
-            </a:r>
-            <a:endParaRPr lang="de-DE" dirty="0" smtClean="0"/>
-          </a:p>
-          <a:p>
-            <a:pPr lvl="1"/>
+              <a:t>Lokale Variablen…</a:t>
+            </a:r>
+          </a:p>
+          <a:p>
+            <a:pPr marL="324000" lvl="1" indent="0">
+              <a:buNone/>
+            </a:pPr>
             <a:endParaRPr lang="de-DE" dirty="0"/>
           </a:p>
           <a:p>
@@ -14567,6 +14810,13 @@
       </p:transition>
     </mc:Fallback>
   </mc:AlternateContent>
+  <p:timing>
+    <p:tnLst>
+      <p:par>
+        <p:cTn id="1" dur="indefinite" restart="never" nodeType="tmRoot"/>
+      </p:par>
+    </p:tnLst>
+  </p:timing>
 </p:sld>
 </file>
 
@@ -14796,6 +15046,13 @@
       </p:transition>
     </mc:Fallback>
   </mc:AlternateContent>
+  <p:timing>
+    <p:tnLst>
+      <p:par>
+        <p:cTn id="1" dur="indefinite" restart="never" nodeType="tmRoot"/>
+      </p:par>
+    </p:tnLst>
+  </p:timing>
 </p:sld>
 </file>
 
@@ -14864,12 +15121,12 @@
           <a:p>
             <a:pPr lvl="1"/>
             <a:r>
-              <a:rPr lang="de-DE" dirty="0" err="1" smtClean="0"/>
-              <a:t>WebAPI</a:t>
-            </a:r>
-            <a:r>
               <a:rPr lang="de-DE" dirty="0" smtClean="0"/>
-              <a:t> (</a:t>
+              <a:t>Cloud </a:t>
+            </a:r>
+            <a:r>
+              <a:rPr lang="de-DE" dirty="0" smtClean="0"/>
+              <a:t>(</a:t>
             </a:r>
             <a:r>
               <a:rPr lang="de-DE" dirty="0" err="1" smtClean="0"/>
@@ -15016,6 +15273,13 @@
       </p:transition>
     </mc:Fallback>
   </mc:AlternateContent>
+  <p:timing>
+    <p:tnLst>
+      <p:par>
+        <p:cTn id="1" dur="indefinite" restart="never" nodeType="tmRoot"/>
+      </p:par>
+    </p:tnLst>
+  </p:timing>
 </p:sld>
 </file>
 
@@ -15053,7 +15317,15 @@
           <a:p>
             <a:r>
               <a:rPr lang="de-DE" dirty="0" smtClean="0"/>
-              <a:t>Keine eigenes </a:t>
+              <a:t>Empfehlung: </a:t>
+            </a:r>
+            <a:r>
+              <a:rPr lang="de-DE" dirty="0" smtClean="0"/>
+              <a:t>Keine </a:t>
+            </a:r>
+            <a:r>
+              <a:rPr lang="de-DE" dirty="0" smtClean="0"/>
+              <a:t>eigenes </a:t>
             </a:r>
             <a:r>
               <a:rPr lang="de-DE" dirty="0" err="1" smtClean="0"/>
@@ -15061,8 +15333,13 @@
             </a:r>
             <a:r>
               <a:rPr lang="de-DE" dirty="0" smtClean="0"/>
-              <a:t> implementieren</a:t>
-            </a:r>
+              <a:t> </a:t>
+            </a:r>
+            <a:r>
+              <a:rPr lang="de-DE" dirty="0" smtClean="0"/>
+              <a:t>Framework implementieren</a:t>
+            </a:r>
+            <a:endParaRPr lang="de-DE" dirty="0" smtClean="0"/>
           </a:p>
           <a:p>
             <a:pPr lvl="1"/>
@@ -15243,6 +15520,13 @@
       </p:transition>
     </mc:Fallback>
   </mc:AlternateContent>
+  <p:timing>
+    <p:tnLst>
+      <p:par>
+        <p:cTn id="1" dur="indefinite" restart="never" nodeType="tmRoot"/>
+      </p:par>
+    </p:tnLst>
+  </p:timing>
 </p:sld>
 </file>
 
@@ -15280,8 +15564,17 @@
           <a:p>
             <a:r>
               <a:rPr lang="de-DE" dirty="0" smtClean="0"/>
-              <a:t>Bietet Schnittstelle mit der es möglich ist Log Messages hinzuzufügen.</a:t>
-            </a:r>
+              <a:t>Schnittstelle die </a:t>
+            </a:r>
+            <a:r>
+              <a:rPr lang="de-DE" dirty="0" err="1" smtClean="0"/>
+              <a:t>Logging</a:t>
+            </a:r>
+            <a:r>
+              <a:rPr lang="de-DE" dirty="0" smtClean="0"/>
+              <a:t> ermöglicht</a:t>
+            </a:r>
+            <a:endParaRPr lang="de-DE" dirty="0" smtClean="0"/>
           </a:p>
           <a:p>
             <a:pPr lvl="1"/>
@@ -15329,19 +15622,33 @@
           <a:p>
             <a:r>
               <a:rPr lang="de-DE" dirty="0" smtClean="0"/>
-              <a:t>Bietet eine unabhängige Konfiguration die es erlaubt diese Nachrichten an verschiedene Komponenten zu senden. (</a:t>
-            </a:r>
+              <a:t>Konfiguration </a:t>
+            </a:r>
+          </a:p>
+          <a:p>
+            <a:pPr lvl="1"/>
+            <a:r>
+              <a:rPr lang="de-DE" dirty="0" err="1" smtClean="0"/>
+              <a:t>LogLevel</a:t>
+            </a:r>
+            <a:r>
+              <a:rPr lang="de-DE" dirty="0" smtClean="0"/>
+              <a:t> setzen</a:t>
+            </a:r>
+          </a:p>
+          <a:p>
+            <a:pPr lvl="1"/>
             <a:r>
               <a:rPr lang="de-DE" dirty="0" err="1" smtClean="0"/>
               <a:t>Appender</a:t>
             </a:r>
             <a:r>
               <a:rPr lang="de-DE" dirty="0" smtClean="0"/>
-              <a:t>)</a:t>
-            </a:r>
-          </a:p>
-          <a:p>
-            <a:pPr lvl="1"/>
+              <a:t> definieren</a:t>
+            </a:r>
+          </a:p>
+          <a:p>
+            <a:pPr lvl="2"/>
             <a:r>
               <a:rPr lang="de-DE" dirty="0" err="1" smtClean="0"/>
               <a:t>FileAppender</a:t>
@@ -15349,7 +15656,7 @@
             <a:endParaRPr lang="de-DE" dirty="0" smtClean="0"/>
           </a:p>
           <a:p>
-            <a:pPr lvl="1"/>
+            <a:pPr lvl="2"/>
             <a:r>
               <a:rPr lang="de-DE" dirty="0" err="1" smtClean="0"/>
               <a:t>ConsoleAppender</a:t>
@@ -15494,6 +15801,13 @@
       </p:transition>
     </mc:Fallback>
   </mc:AlternateContent>
+  <p:timing>
+    <p:tnLst>
+      <p:par>
+        <p:cTn id="1" dur="indefinite" restart="never" nodeType="tmRoot"/>
+      </p:par>
+    </p:tnLst>
+  </p:timing>
 </p:sld>
 </file>
 
@@ -15701,6 +16015,13 @@
       </p:transition>
     </mc:Fallback>
   </mc:AlternateContent>
+  <p:timing>
+    <p:tnLst>
+      <p:par>
+        <p:cTn id="1" dur="indefinite" restart="never" nodeType="tmRoot"/>
+      </p:par>
+    </p:tnLst>
+  </p:timing>
 </p:sld>
 </file>
 
@@ -15867,7 +16188,6 @@
               <a:rPr lang="de-DE" dirty="0"/>
               <a:t>();</a:t>
             </a:r>
-            <a:endParaRPr lang="de-DE" dirty="0"/>
           </a:p>
         </p:txBody>
       </p:sp>
@@ -15990,6 +16310,13 @@
       </p:transition>
     </mc:Fallback>
   </mc:AlternateContent>
+  <p:timing>
+    <p:tnLst>
+      <p:par>
+        <p:cTn id="1" dur="indefinite" restart="never" nodeType="tmRoot"/>
+      </p:par>
+    </p:tnLst>
+  </p:timing>
 </p:sld>
 </file>
 
@@ -16148,7 +16475,6 @@
               <a:rPr lang="de-DE" dirty="0"/>
               <a:t> – Log4net - Implementierung</a:t>
             </a:r>
-            <a:endParaRPr lang="de-DE" dirty="0"/>
           </a:p>
         </p:txBody>
       </p:sp>
@@ -16244,6 +16570,13 @@
       </p:transition>
     </mc:Fallback>
   </mc:AlternateContent>
+  <p:timing>
+    <p:tnLst>
+      <p:par>
+        <p:cTn id="1" dur="indefinite" restart="never" nodeType="tmRoot"/>
+      </p:par>
+    </p:tnLst>
+  </p:timing>
 </p:sld>
 </file>
 
@@ -18395,11 +18728,7 @@
           <a:p>
             <a:r>
               <a:rPr lang="de-DE" dirty="0" smtClean="0"/>
-              <a:t>Quellen / Verweise / Interessantes…</a:t>
-            </a:r>
-            <a:r>
-              <a:rPr lang="de-DE" dirty="0" smtClean="0"/>
-              <a:t>	</a:t>
+              <a:t>Quellen / Verweise / Interessantes…	</a:t>
             </a:r>
             <a:endParaRPr lang="de-DE" dirty="0"/>
           </a:p>
@@ -18562,33 +18891,6 @@
             </a:r>
           </a:p>
           <a:p>
-            <a:pPr lvl="1"/>
-            <a:r>
-              <a:rPr lang="de-DE" dirty="0"/>
-              <a:t>Logische </a:t>
-            </a:r>
-            <a:r>
-              <a:rPr lang="de-DE" dirty="0" smtClean="0"/>
-              <a:t>Fehler</a:t>
-            </a:r>
-          </a:p>
-          <a:p>
-            <a:pPr lvl="2"/>
-            <a:r>
-              <a:rPr lang="de-DE" dirty="0" smtClean="0"/>
-              <a:t>Sind meist nicht offensichtlich (Kein Absturz, </a:t>
-            </a:r>
-            <a:r>
-              <a:rPr lang="de-DE" dirty="0" err="1" smtClean="0"/>
-              <a:t>Exception</a:t>
-            </a:r>
-            <a:r>
-              <a:rPr lang="de-DE" dirty="0" smtClean="0"/>
-              <a:t>…)</a:t>
-            </a:r>
-            <a:endParaRPr lang="de-DE" dirty="0"/>
-          </a:p>
-          <a:p>
             <a:pPr marL="324000" lvl="1" indent="0">
               <a:buNone/>
             </a:pPr>
@@ -19056,6 +19358,13 @@
       </p:transition>
     </mc:Fallback>
   </mc:AlternateContent>
+  <p:timing>
+    <p:tnLst>
+      <p:par>
+        <p:cTn id="1" dur="indefinite" restart="never" nodeType="tmRoot"/>
+      </p:par>
+    </p:tnLst>
+  </p:timing>
 </p:sld>
 </file>
 
@@ -19145,8 +19454,20 @@
             </a:r>
             <a:r>
               <a:rPr lang="de-DE" b="1" dirty="0" smtClean="0"/>
-              <a:t> Handling</a:t>
-            </a:r>
+              <a:t> </a:t>
+            </a:r>
+            <a:r>
+              <a:rPr lang="de-DE" b="1" dirty="0" smtClean="0"/>
+              <a:t>Handling</a:t>
+            </a:r>
+          </a:p>
+          <a:p>
+            <a:pPr lvl="1"/>
+            <a:r>
+              <a:rPr lang="de-DE" b="1" dirty="0" smtClean="0"/>
+              <a:t>Fehler beseitigen -&gt; Debugging</a:t>
+            </a:r>
+            <a:endParaRPr lang="de-DE" b="1" dirty="0" smtClean="0"/>
           </a:p>
         </p:txBody>
       </p:sp>
@@ -19265,6 +19586,13 @@
       </p:transition>
     </mc:Fallback>
   </mc:AlternateContent>
+  <p:timing>
+    <p:tnLst>
+      <p:par>
+        <p:cTn id="1" dur="indefinite" restart="never" nodeType="tmRoot"/>
+      </p:par>
+    </p:tnLst>
+  </p:timing>
 </p:sld>
 </file>
 
@@ -19692,13 +20020,8 @@
             </a:r>
             <a:r>
               <a:rPr lang="de-DE" dirty="0" smtClean="0"/>
-              <a:t> </a:t>
-            </a:r>
-            <a:r>
-              <a:rPr lang="de-DE" dirty="0" smtClean="0"/>
-              <a:t>(Wie sind wir zu dieser Stelle der Codeausführung gekommen)</a:t>
-            </a:r>
-            <a:endParaRPr lang="de-DE" dirty="0" smtClean="0"/>
+              <a:t> (Wie sind wir zu dieser Stelle der Codeausführung gekommen)</a:t>
+            </a:r>
           </a:p>
           <a:p>
             <a:pPr lvl="1"/>
@@ -20119,6 +20442,13 @@
       </p:transition>
     </mc:Fallback>
   </mc:AlternateContent>
+  <p:timing>
+    <p:tnLst>
+      <p:par>
+        <p:cTn id="1" dur="indefinite" restart="never" nodeType="tmRoot"/>
+      </p:par>
+    </p:tnLst>
+  </p:timing>
 </p:sld>
 </file>
 

--- a/Fehlerbehandung und Debugging.pptx
+++ b/Fehlerbehandung und Debugging.pptx
@@ -4929,7 +4929,7 @@
           <a:p>
             <a:fld id="{2D5F1F67-70C5-401C-B716-055CEDB7275B}" type="datetime1">
               <a:rPr lang="de-DE" smtClean="0"/>
-              <a:t>26.02.2019</a:t>
+              <a:t>27.02.2019</a:t>
             </a:fld>
             <a:endParaRPr lang="de-DE" dirty="0"/>
           </a:p>
@@ -5493,7 +5493,7 @@
           <a:p>
             <a:fld id="{4CD2F943-459C-42CA-A7CD-AF67F4743B33}" type="datetime1">
               <a:rPr lang="de-DE" smtClean="0"/>
-              <a:t>26.02.2019</a:t>
+              <a:t>27.02.2019</a:t>
             </a:fld>
             <a:endParaRPr lang="de-DE" dirty="0"/>
           </a:p>
@@ -6057,7 +6057,7 @@
           <a:p>
             <a:fld id="{98CB269D-7D30-40BB-B64D-5A309906AC88}" type="datetime1">
               <a:rPr lang="de-DE" smtClean="0"/>
-              <a:t>26.02.2019</a:t>
+              <a:t>27.02.2019</a:t>
             </a:fld>
             <a:endParaRPr lang="de-DE" dirty="0"/>
           </a:p>
@@ -6622,7 +6622,7 @@
           <a:p>
             <a:fld id="{74FB4BCF-DF36-46C3-83B1-F8573E7F8AA5}" type="datetime1">
               <a:rPr lang="de-DE" smtClean="0"/>
-              <a:t>26.02.2019</a:t>
+              <a:t>27.02.2019</a:t>
             </a:fld>
             <a:endParaRPr lang="de-DE" dirty="0"/>
           </a:p>
@@ -7272,7 +7272,7 @@
           <a:p>
             <a:fld id="{49310937-76F4-498B-BF80-66CD8AB8F250}" type="datetime1">
               <a:rPr lang="de-DE" smtClean="0"/>
-              <a:t>26.02.2019</a:t>
+              <a:t>27.02.2019</a:t>
             </a:fld>
             <a:endParaRPr lang="de-DE" dirty="0"/>
           </a:p>
@@ -7619,11 +7619,7 @@
             </a:br>
             <a:r>
               <a:rPr lang="de-DE" dirty="0" smtClean="0"/>
-              <a:t>D</a:t>
-            </a:r>
-            <a:r>
-              <a:rPr lang="de-DE" dirty="0" smtClean="0"/>
-              <a:t>ebugging</a:t>
+              <a:t>Debugging</a:t>
             </a:r>
             <a:br>
               <a:rPr lang="de-DE" dirty="0" smtClean="0"/>
@@ -7733,7 +7729,7 @@
           <a:p>
             <a:fld id="{2D5F1F67-70C5-401C-B716-055CEDB7275B}" type="datetime1">
               <a:rPr lang="de-DE" smtClean="0"/>
-              <a:t>26.02.2019</a:t>
+              <a:t>27.02.2019</a:t>
             </a:fld>
             <a:endParaRPr lang="de-DE" dirty="0"/>
           </a:p>
@@ -8643,7 +8639,7 @@
           <a:p>
             <a:fld id="{2D5F1F67-70C5-401C-B716-055CEDB7275B}" type="datetime1">
               <a:rPr lang="de-DE" smtClean="0"/>
-              <a:t>26.02.2019</a:t>
+              <a:t>27.02.2019</a:t>
             </a:fld>
             <a:endParaRPr lang="de-DE" dirty="0"/>
           </a:p>
@@ -9314,7 +9310,7 @@
           <a:p>
             <a:fld id="{2D5F1F67-70C5-401C-B716-055CEDB7275B}" type="datetime1">
               <a:rPr lang="de-DE" smtClean="0"/>
-              <a:t>26.02.2019</a:t>
+              <a:t>27.02.2019</a:t>
             </a:fld>
             <a:endParaRPr lang="de-DE" dirty="0"/>
           </a:p>
@@ -10380,7 +10376,7 @@
           <a:p>
             <a:fld id="{2D5F1F67-70C5-401C-B716-055CEDB7275B}" type="datetime1">
               <a:rPr lang="de-DE" smtClean="0"/>
-              <a:t>26.02.2019</a:t>
+              <a:t>27.02.2019</a:t>
             </a:fld>
             <a:endParaRPr lang="de-DE" dirty="0"/>
           </a:p>
@@ -11239,7 +11235,7 @@
           <a:p>
             <a:fld id="{2D5F1F67-70C5-401C-B716-055CEDB7275B}" type="datetime1">
               <a:rPr lang="de-DE" smtClean="0"/>
-              <a:t>26.02.2019</a:t>
+              <a:t>27.02.2019</a:t>
             </a:fld>
             <a:endParaRPr lang="de-DE" dirty="0"/>
           </a:p>
@@ -12120,7 +12116,7 @@
           <a:p>
             <a:fld id="{2D5F1F67-70C5-401C-B716-055CEDB7275B}" type="datetime1">
               <a:rPr lang="de-DE" smtClean="0"/>
-              <a:t>26.02.2019</a:t>
+              <a:t>27.02.2019</a:t>
             </a:fld>
             <a:endParaRPr lang="de-DE" dirty="0"/>
           </a:p>
@@ -12440,7 +12436,7 @@
           <a:p>
             <a:fld id="{2D5F1F67-70C5-401C-B716-055CEDB7275B}" type="datetime1">
               <a:rPr lang="de-DE" smtClean="0"/>
-              <a:t>26.02.2019</a:t>
+              <a:t>27.02.2019</a:t>
             </a:fld>
             <a:endParaRPr lang="de-DE" dirty="0"/>
           </a:p>
@@ -12582,7 +12578,7 @@
           <a:p>
             <a:fld id="{2D5F1F67-70C5-401C-B716-055CEDB7275B}" type="datetime1">
               <a:rPr lang="de-DE" smtClean="0"/>
-              <a:t>26.02.2019</a:t>
+              <a:t>27.02.2019</a:t>
             </a:fld>
             <a:endParaRPr lang="de-DE" dirty="0"/>
           </a:p>
@@ -12820,7 +12816,7 @@
           <a:p>
             <a:fld id="{2D5F1F67-70C5-401C-B716-055CEDB7275B}" type="datetime1">
               <a:rPr lang="de-DE" smtClean="0"/>
-              <a:t>26.02.2019</a:t>
+              <a:t>27.02.2019</a:t>
             </a:fld>
             <a:endParaRPr lang="de-DE" dirty="0"/>
           </a:p>
@@ -13105,7 +13101,7 @@
           <a:p>
             <a:fld id="{2D5F1F67-70C5-401C-B716-055CEDB7275B}" type="datetime1">
               <a:rPr lang="de-DE" smtClean="0"/>
-              <a:t>26.02.2019</a:t>
+              <a:t>27.02.2019</a:t>
             </a:fld>
             <a:endParaRPr lang="de-DE" dirty="0"/>
           </a:p>
@@ -13326,13 +13322,8 @@
             </a:r>
             <a:r>
               <a:rPr lang="de-DE" dirty="0" smtClean="0"/>
-              <a:t> </a:t>
-            </a:r>
-            <a:r>
-              <a:rPr lang="de-DE" dirty="0" smtClean="0"/>
-              <a:t>Handling</a:t>
-            </a:r>
-            <a:endParaRPr lang="de-DE" dirty="0" smtClean="0"/>
+              <a:t> Handling</a:t>
+            </a:r>
           </a:p>
           <a:p>
             <a:pPr marL="706500" lvl="1" indent="-342900">
@@ -13353,7 +13344,6 @@
               <a:rPr lang="de-DE" dirty="0" smtClean="0"/>
               <a:t>Debugging</a:t>
             </a:r>
-            <a:endParaRPr lang="de-DE" dirty="0" smtClean="0"/>
           </a:p>
           <a:p>
             <a:pPr marL="706500" lvl="1" indent="-342900">
@@ -13425,7 +13415,6 @@
               <a:rPr lang="de-DE" dirty="0" smtClean="0"/>
               <a:t>Log4net</a:t>
             </a:r>
-            <a:endParaRPr lang="de-DE" dirty="0" smtClean="0"/>
           </a:p>
           <a:p>
             <a:endParaRPr lang="de-DE" dirty="0" smtClean="0"/>
@@ -13475,7 +13464,7 @@
           <a:p>
             <a:fld id="{2D5F1F67-70C5-401C-B716-055CEDB7275B}" type="datetime1">
               <a:rPr lang="de-DE" smtClean="0"/>
-              <a:t>26.02.2019</a:t>
+              <a:t>27.02.2019</a:t>
             </a:fld>
             <a:endParaRPr lang="de-DE" dirty="0"/>
           </a:p>
@@ -13691,7 +13680,7 @@
           <a:p>
             <a:fld id="{2D5F1F67-70C5-401C-B716-055CEDB7275B}" type="datetime1">
               <a:rPr lang="de-DE" smtClean="0"/>
-              <a:t>26.02.2019</a:t>
+              <a:t>27.02.2019</a:t>
             </a:fld>
             <a:endParaRPr lang="de-DE" dirty="0"/>
           </a:p>
@@ -13841,11 +13830,7 @@
             <a:pPr lvl="1"/>
             <a:r>
               <a:rPr lang="de-DE" dirty="0" smtClean="0"/>
-              <a:t>Welche Codestelle hat die aktuelle Funktion aufgerufen</a:t>
-            </a:r>
-            <a:r>
-              <a:rPr lang="de-DE" dirty="0" smtClean="0"/>
-              <a:t>?</a:t>
+              <a:t>Welche Codestelle hat die aktuelle Funktion aufgerufen?</a:t>
             </a:r>
           </a:p>
           <a:p>
@@ -13854,7 +13839,6 @@
               <a:rPr lang="de-DE" dirty="0" smtClean="0"/>
               <a:t>Von woher komme ich?</a:t>
             </a:r>
-            <a:endParaRPr lang="de-DE" dirty="0" smtClean="0"/>
           </a:p>
           <a:p>
             <a:pPr lvl="1"/>
@@ -13935,7 +13919,7 @@
           <a:p>
             <a:fld id="{2D5F1F67-70C5-401C-B716-055CEDB7275B}" type="datetime1">
               <a:rPr lang="de-DE" smtClean="0"/>
-              <a:t>26.02.2019</a:t>
+              <a:t>27.02.2019</a:t>
             </a:fld>
             <a:endParaRPr lang="de-DE" dirty="0"/>
           </a:p>
@@ -14100,7 +14084,7 @@
           <a:p>
             <a:fld id="{2D5F1F67-70C5-401C-B716-055CEDB7275B}" type="datetime1">
               <a:rPr lang="de-DE" smtClean="0"/>
-              <a:t>26.02.2019</a:t>
+              <a:t>27.02.2019</a:t>
             </a:fld>
             <a:endParaRPr lang="de-DE" dirty="0"/>
           </a:p>
@@ -14287,7 +14271,7 @@
           <a:p>
             <a:fld id="{2D5F1F67-70C5-401C-B716-055CEDB7275B}" type="datetime1">
               <a:rPr lang="de-DE" smtClean="0"/>
-              <a:t>26.02.2019</a:t>
+              <a:t>27.02.2019</a:t>
             </a:fld>
             <a:endParaRPr lang="de-DE" dirty="0"/>
           </a:p>
@@ -14516,7 +14500,7 @@
           <a:p>
             <a:fld id="{2D5F1F67-70C5-401C-B716-055CEDB7275B}" type="datetime1">
               <a:rPr lang="de-DE" smtClean="0"/>
-              <a:t>26.02.2019</a:t>
+              <a:t>27.02.2019</a:t>
             </a:fld>
             <a:endParaRPr lang="de-DE" dirty="0"/>
           </a:p>
@@ -14735,7 +14719,7 @@
           <a:p>
             <a:fld id="{2D5F1F67-70C5-401C-B716-055CEDB7275B}" type="datetime1">
               <a:rPr lang="de-DE" smtClean="0"/>
-              <a:t>26.02.2019</a:t>
+              <a:t>27.02.2019</a:t>
             </a:fld>
             <a:endParaRPr lang="de-DE" dirty="0"/>
           </a:p>
@@ -14949,7 +14933,7 @@
           <a:p>
             <a:fld id="{2D5F1F67-70C5-401C-B716-055CEDB7275B}" type="datetime1">
               <a:rPr lang="de-DE" smtClean="0"/>
-              <a:t>26.02.2019</a:t>
+              <a:t>27.02.2019</a:t>
             </a:fld>
             <a:endParaRPr lang="de-DE" dirty="0"/>
           </a:p>
@@ -15122,11 +15106,7 @@
             <a:pPr lvl="1"/>
             <a:r>
               <a:rPr lang="de-DE" dirty="0" smtClean="0"/>
-              <a:t>Cloud </a:t>
-            </a:r>
-            <a:r>
-              <a:rPr lang="de-DE" dirty="0" smtClean="0"/>
-              <a:t>(</a:t>
+              <a:t>Cloud (</a:t>
             </a:r>
             <a:r>
               <a:rPr lang="de-DE" dirty="0" err="1" smtClean="0"/>
@@ -15198,7 +15178,7 @@
           <a:p>
             <a:fld id="{2D5F1F67-70C5-401C-B716-055CEDB7275B}" type="datetime1">
               <a:rPr lang="de-DE" smtClean="0"/>
-              <a:t>26.02.2019</a:t>
+              <a:t>27.02.2019</a:t>
             </a:fld>
             <a:endParaRPr lang="de-DE" dirty="0"/>
           </a:p>
@@ -15317,15 +15297,7 @@
           <a:p>
             <a:r>
               <a:rPr lang="de-DE" dirty="0" smtClean="0"/>
-              <a:t>Empfehlung: </a:t>
-            </a:r>
-            <a:r>
-              <a:rPr lang="de-DE" dirty="0" smtClean="0"/>
-              <a:t>Keine </a:t>
-            </a:r>
-            <a:r>
-              <a:rPr lang="de-DE" dirty="0" smtClean="0"/>
-              <a:t>eigenes </a:t>
+              <a:t>Empfehlung: Keine eigenes </a:t>
             </a:r>
             <a:r>
               <a:rPr lang="de-DE" dirty="0" err="1" smtClean="0"/>
@@ -15333,13 +15305,8 @@
             </a:r>
             <a:r>
               <a:rPr lang="de-DE" dirty="0" smtClean="0"/>
-              <a:t> </a:t>
-            </a:r>
-            <a:r>
-              <a:rPr lang="de-DE" dirty="0" smtClean="0"/>
-              <a:t>Framework implementieren</a:t>
-            </a:r>
-            <a:endParaRPr lang="de-DE" dirty="0" smtClean="0"/>
+              <a:t> Framework implementieren</a:t>
+            </a:r>
           </a:p>
           <a:p>
             <a:pPr lvl="1"/>
@@ -15445,7 +15412,7 @@
           <a:p>
             <a:fld id="{2D5F1F67-70C5-401C-B716-055CEDB7275B}" type="datetime1">
               <a:rPr lang="de-DE" smtClean="0"/>
-              <a:t>26.02.2019</a:t>
+              <a:t>27.02.2019</a:t>
             </a:fld>
             <a:endParaRPr lang="de-DE" dirty="0"/>
           </a:p>
@@ -15574,7 +15541,6 @@
               <a:rPr lang="de-DE" dirty="0" smtClean="0"/>
               <a:t> ermöglicht</a:t>
             </a:r>
-            <a:endParaRPr lang="de-DE" dirty="0" smtClean="0"/>
           </a:p>
           <a:p>
             <a:pPr lvl="1"/>
@@ -15726,7 +15692,7 @@
           <a:p>
             <a:fld id="{2D5F1F67-70C5-401C-B716-055CEDB7275B}" type="datetime1">
               <a:rPr lang="de-DE" smtClean="0"/>
-              <a:t>26.02.2019</a:t>
+              <a:t>27.02.2019</a:t>
             </a:fld>
             <a:endParaRPr lang="de-DE" dirty="0"/>
           </a:p>
@@ -15916,7 +15882,7 @@
           <a:p>
             <a:fld id="{2D5F1F67-70C5-401C-B716-055CEDB7275B}" type="datetime1">
               <a:rPr lang="de-DE" smtClean="0"/>
-              <a:t>26.02.2019</a:t>
+              <a:t>27.02.2019</a:t>
             </a:fld>
             <a:endParaRPr lang="de-DE" dirty="0"/>
           </a:p>
@@ -16235,7 +16201,7 @@
           <a:p>
             <a:fld id="{2D5F1F67-70C5-401C-B716-055CEDB7275B}" type="datetime1">
               <a:rPr lang="de-DE" smtClean="0"/>
-              <a:t>26.02.2019</a:t>
+              <a:t>27.02.2019</a:t>
             </a:fld>
             <a:endParaRPr lang="de-DE" dirty="0"/>
           </a:p>
@@ -16495,7 +16461,7 @@
           <a:p>
             <a:fld id="{2D5F1F67-70C5-401C-B716-055CEDB7275B}" type="datetime1">
               <a:rPr lang="de-DE" smtClean="0"/>
-              <a:t>26.02.2019</a:t>
+              <a:t>27.02.2019</a:t>
             </a:fld>
             <a:endParaRPr lang="de-DE" dirty="0"/>
           </a:p>
@@ -16645,7 +16611,7 @@
           <a:p>
             <a:fld id="{2D5F1F67-70C5-401C-B716-055CEDB7275B}" type="datetime1">
               <a:rPr lang="de-DE" smtClean="0"/>
-              <a:t>26.02.2019</a:t>
+              <a:t>27.02.2019</a:t>
             </a:fld>
             <a:endParaRPr lang="de-DE" dirty="0"/>
           </a:p>
@@ -18550,7 +18516,7 @@
           <a:p>
             <a:fld id="{2D5F1F67-70C5-401C-B716-055CEDB7275B}" type="datetime1">
               <a:rPr lang="de-DE" smtClean="0"/>
-              <a:t>26.02.2019</a:t>
+              <a:t>27.02.2019</a:t>
             </a:fld>
             <a:endParaRPr lang="de-DE" dirty="0"/>
           </a:p>
@@ -18751,7 +18717,7 @@
           <a:p>
             <a:fld id="{2D5F1F67-70C5-401C-B716-055CEDB7275B}" type="datetime1">
               <a:rPr lang="de-DE" smtClean="0"/>
-              <a:t>26.02.2019</a:t>
+              <a:t>27.02.2019</a:t>
             </a:fld>
             <a:endParaRPr lang="de-DE" dirty="0"/>
           </a:p>
@@ -18993,7 +18959,7 @@
           <a:p>
             <a:fld id="{2D5F1F67-70C5-401C-B716-055CEDB7275B}" type="datetime1">
               <a:rPr lang="de-DE" smtClean="0"/>
-              <a:t>26.02.2019</a:t>
+              <a:t>27.02.2019</a:t>
             </a:fld>
             <a:endParaRPr lang="de-DE" dirty="0"/>
           </a:p>
@@ -19283,7 +19249,7 @@
           <a:p>
             <a:fld id="{2D5F1F67-70C5-401C-B716-055CEDB7275B}" type="datetime1">
               <a:rPr lang="de-DE" smtClean="0"/>
-              <a:t>26.02.2019</a:t>
+              <a:t>27.02.2019</a:t>
             </a:fld>
             <a:endParaRPr lang="de-DE" dirty="0"/>
           </a:p>
@@ -19402,15 +19368,35 @@
           <a:p>
             <a:r>
               <a:rPr lang="de-DE" dirty="0" smtClean="0"/>
-              <a:t>Logische Fehler / Codeänderungen…</a:t>
+              <a:t>Fehler im Vorfeld verhindern</a:t>
             </a:r>
           </a:p>
           <a:p>
             <a:pPr lvl="1"/>
+            <a:r>
+              <a:rPr lang="de-DE" dirty="0" smtClean="0"/>
+              <a:t>Logische </a:t>
+            </a:r>
+            <a:r>
+              <a:rPr lang="de-DE" dirty="0" smtClean="0"/>
+              <a:t>Fehler / Codeänderungen…</a:t>
+            </a:r>
+          </a:p>
+          <a:p>
+            <a:pPr lvl="2"/>
             <a:r>
               <a:rPr lang="de-DE" dirty="0" smtClean="0"/>
               <a:t>Unit Tests </a:t>
             </a:r>
+            <a:endParaRPr lang="de-DE" dirty="0" smtClean="0"/>
+          </a:p>
+          <a:p>
+            <a:pPr lvl="1"/>
+            <a:r>
+              <a:rPr lang="de-DE" dirty="0" smtClean="0"/>
+              <a:t>Benutzereingaben validieren</a:t>
+            </a:r>
+            <a:endParaRPr lang="de-DE" dirty="0" smtClean="0"/>
           </a:p>
           <a:p>
             <a:pPr lvl="1"/>
@@ -19425,21 +19411,19 @@
           <a:p>
             <a:r>
               <a:rPr lang="de-DE" dirty="0" smtClean="0"/>
-              <a:t>Andere</a:t>
-            </a:r>
+              <a:t>Unerwartete Fehler</a:t>
+            </a:r>
+            <a:endParaRPr lang="de-DE" dirty="0" smtClean="0"/>
           </a:p>
           <a:p>
             <a:pPr lvl="1"/>
             <a:r>
               <a:rPr lang="de-DE" dirty="0" smtClean="0"/>
-              <a:t>Prüfen, evtl. alternative Implementierung einbauen</a:t>
-            </a:r>
-          </a:p>
-          <a:p>
-            <a:pPr lvl="1"/>
+              <a:t>Fehlercodes </a:t>
+            </a:r>
             <a:r>
               <a:rPr lang="de-DE" dirty="0"/>
-              <a:t>Fehlercodes auswerten und </a:t>
+              <a:t>auswerten und </a:t>
             </a:r>
             <a:r>
               <a:rPr lang="de-DE" dirty="0" smtClean="0"/>
@@ -19454,11 +19438,7 @@
             </a:r>
             <a:r>
               <a:rPr lang="de-DE" b="1" dirty="0" smtClean="0"/>
-              <a:t> </a:t>
-            </a:r>
-            <a:r>
-              <a:rPr lang="de-DE" b="1" dirty="0" smtClean="0"/>
-              <a:t>Handling</a:t>
+              <a:t> Handling</a:t>
             </a:r>
           </a:p>
           <a:p>
@@ -19467,7 +19447,6 @@
               <a:rPr lang="de-DE" b="1" dirty="0" smtClean="0"/>
               <a:t>Fehler beseitigen -&gt; Debugging</a:t>
             </a:r>
-            <a:endParaRPr lang="de-DE" b="1" dirty="0" smtClean="0"/>
           </a:p>
         </p:txBody>
       </p:sp>
@@ -19511,7 +19490,7 @@
           <a:p>
             <a:fld id="{2D5F1F67-70C5-401C-B716-055CEDB7275B}" type="datetime1">
               <a:rPr lang="de-DE" smtClean="0"/>
-              <a:t>26.02.2019</a:t>
+              <a:t>27.02.2019</a:t>
             </a:fld>
             <a:endParaRPr lang="de-DE" dirty="0"/>
           </a:p>
@@ -19742,7 +19721,7 @@
           <a:p>
             <a:fld id="{2D5F1F67-70C5-401C-B716-055CEDB7275B}" type="datetime1">
               <a:rPr lang="de-DE" smtClean="0"/>
-              <a:t>26.02.2019</a:t>
+              <a:t>27.02.2019</a:t>
             </a:fld>
             <a:endParaRPr lang="de-DE" dirty="0"/>
           </a:p>
@@ -20109,7 +20088,7 @@
           <a:p>
             <a:fld id="{B5C97852-D610-47D4-A8A3-1CEFC1E2F100}" type="datetime1">
               <a:rPr lang="de-DE" smtClean="0"/>
-              <a:t>26.02.2019</a:t>
+              <a:t>27.02.2019</a:t>
             </a:fld>
             <a:endParaRPr lang="de-DE" dirty="0"/>
           </a:p>
@@ -20343,7 +20322,7 @@
           <a:p>
             <a:fld id="{2D5F1F67-70C5-401C-B716-055CEDB7275B}" type="datetime1">
               <a:rPr lang="de-DE" smtClean="0"/>
-              <a:t>26.02.2019</a:t>
+              <a:t>27.02.2019</a:t>
             </a:fld>
             <a:endParaRPr lang="de-DE" dirty="0"/>
           </a:p>

--- a/Fehlerbehandung und Debugging.pptx
+++ b/Fehlerbehandung und Debugging.pptx
@@ -12909,8 +12909,8 @@
         </p:blipFill>
         <p:spPr>
           <a:xfrm>
-            <a:off x="4932040" y="3104105"/>
-            <a:ext cx="3168774" cy="1604831"/>
+            <a:off x="4895067" y="3145532"/>
+            <a:ext cx="3737499" cy="1892863"/>
           </a:xfrm>
           <a:prstGeom prst="rect">
             <a:avLst/>
@@ -14154,7 +14154,7 @@
         <p:spPr>
           <a:xfrm>
             <a:off x="395873" y="3577580"/>
-            <a:ext cx="6215543" cy="785937"/>
+            <a:ext cx="8542074" cy="1080120"/>
           </a:xfrm>
           <a:prstGeom prst="rect">
             <a:avLst/>
@@ -19034,6 +19034,13 @@
       </p:transition>
     </mc:Fallback>
   </mc:AlternateContent>
+  <p:timing>
+    <p:tnLst>
+      <p:par>
+        <p:cTn id="1" dur="indefinite" restart="never" nodeType="tmRoot"/>
+      </p:par>
+    </p:tnLst>
+  </p:timing>
 </p:sld>
 </file>
 
@@ -19375,11 +19382,7 @@
             <a:pPr lvl="1"/>
             <a:r>
               <a:rPr lang="de-DE" dirty="0" smtClean="0"/>
-              <a:t>Logische </a:t>
-            </a:r>
-            <a:r>
-              <a:rPr lang="de-DE" dirty="0" smtClean="0"/>
-              <a:t>Fehler / Codeänderungen…</a:t>
+              <a:t>Logische Fehler / Codeänderungen…</a:t>
             </a:r>
           </a:p>
           <a:p>
@@ -19388,7 +19391,6 @@
               <a:rPr lang="de-DE" dirty="0" smtClean="0"/>
               <a:t>Unit Tests </a:t>
             </a:r>
-            <a:endParaRPr lang="de-DE" dirty="0" smtClean="0"/>
           </a:p>
           <a:p>
             <a:pPr lvl="1"/>
@@ -19396,7 +19398,6 @@
               <a:rPr lang="de-DE" dirty="0" smtClean="0"/>
               <a:t>Benutzereingaben validieren</a:t>
             </a:r>
-            <a:endParaRPr lang="de-DE" dirty="0" smtClean="0"/>
           </a:p>
           <a:p>
             <a:pPr lvl="1"/>
@@ -19413,7 +19414,6 @@
               <a:rPr lang="de-DE" dirty="0" smtClean="0"/>
               <a:t>Unerwartete Fehler</a:t>
             </a:r>
-            <a:endParaRPr lang="de-DE" dirty="0" smtClean="0"/>
           </a:p>
           <a:p>
             <a:pPr lvl="1"/>
@@ -19837,6 +19837,13 @@
       </p:transition>
     </mc:Fallback>
   </mc:AlternateContent>
+  <p:timing>
+    <p:tnLst>
+      <p:par>
+        <p:cTn id="1" dur="indefinite" restart="never" nodeType="tmRoot"/>
+      </p:par>
+    </p:tnLst>
+  </p:timing>
 </p:sld>
 </file>
 
